--- a/redovisning.pptx
+++ b/redovisning.pptx
@@ -69,7 +69,7 @@
         <p:spPr>
           <a:xfrm>
             <a:off x="504000" y="301320"/>
-            <a:ext cx="9071280" cy="1262520"/>
+            <a:ext cx="9070920" cy="1262520"/>
           </a:xfrm>
           <a:prstGeom prst="rect">
             <a:avLst/>
@@ -96,7 +96,7 @@
         <p:spPr>
           <a:xfrm>
             <a:off x="504000" y="1768680"/>
-            <a:ext cx="9072000" cy="2090880"/>
+            <a:ext cx="9071640" cy="2090520"/>
           </a:xfrm>
           <a:prstGeom prst="rect">
             <a:avLst/>
@@ -121,8 +121,8 @@
         </p:nvSpPr>
         <p:spPr>
           <a:xfrm>
-            <a:off x="504000" y="4058280"/>
-            <a:ext cx="9072000" cy="2090880"/>
+            <a:off x="504000" y="4057920"/>
+            <a:ext cx="9071640" cy="2090520"/>
           </a:xfrm>
           <a:prstGeom prst="rect">
             <a:avLst/>
@@ -170,7 +170,7 @@
         <p:spPr>
           <a:xfrm>
             <a:off x="504000" y="301320"/>
-            <a:ext cx="9071280" cy="1262520"/>
+            <a:ext cx="9070920" cy="1262520"/>
           </a:xfrm>
           <a:prstGeom prst="rect">
             <a:avLst/>
@@ -197,7 +197,7 @@
         <p:spPr>
           <a:xfrm>
             <a:off x="504000" y="1768680"/>
-            <a:ext cx="4426920" cy="2090880"/>
+            <a:ext cx="4426560" cy="2090520"/>
           </a:xfrm>
           <a:prstGeom prst="rect">
             <a:avLst/>
@@ -222,8 +222,8 @@
         </p:nvSpPr>
         <p:spPr>
           <a:xfrm>
-            <a:off x="5152320" y="1768680"/>
-            <a:ext cx="4426920" cy="2090880"/>
+            <a:off x="5151960" y="1768680"/>
+            <a:ext cx="4426560" cy="2090520"/>
           </a:xfrm>
           <a:prstGeom prst="rect">
             <a:avLst/>
@@ -248,8 +248,8 @@
         </p:nvSpPr>
         <p:spPr>
           <a:xfrm>
-            <a:off x="5152320" y="4058280"/>
-            <a:ext cx="4426920" cy="2090880"/>
+            <a:off x="5151960" y="4057920"/>
+            <a:ext cx="4426560" cy="2090520"/>
           </a:xfrm>
           <a:prstGeom prst="rect">
             <a:avLst/>
@@ -274,8 +274,8 @@
         </p:nvSpPr>
         <p:spPr>
           <a:xfrm>
-            <a:off x="504000" y="4058280"/>
-            <a:ext cx="4426920" cy="2090880"/>
+            <a:off x="504000" y="4057920"/>
+            <a:ext cx="4426560" cy="2090520"/>
           </a:xfrm>
           <a:prstGeom prst="rect">
             <a:avLst/>
@@ -323,7 +323,7 @@
         <p:spPr>
           <a:xfrm>
             <a:off x="504000" y="301320"/>
-            <a:ext cx="9071280" cy="1262520"/>
+            <a:ext cx="9070920" cy="1262520"/>
           </a:xfrm>
           <a:prstGeom prst="rect">
             <a:avLst/>
@@ -350,7 +350,7 @@
         <p:spPr>
           <a:xfrm>
             <a:off x="504000" y="1768680"/>
-            <a:ext cx="4426920" cy="2090880"/>
+            <a:ext cx="4426560" cy="2090520"/>
           </a:xfrm>
           <a:prstGeom prst="rect">
             <a:avLst/>
@@ -375,8 +375,8 @@
         </p:nvSpPr>
         <p:spPr>
           <a:xfrm>
-            <a:off x="5152320" y="1768680"/>
-            <a:ext cx="4426920" cy="2090880"/>
+            <a:off x="5151960" y="1768680"/>
+            <a:ext cx="4426560" cy="2090520"/>
           </a:xfrm>
           <a:prstGeom prst="rect">
             <a:avLst/>
@@ -403,8 +403,8 @@
         </p:blipFill>
         <p:spPr>
           <a:xfrm>
-            <a:off x="6055200" y="4058280"/>
-            <a:ext cx="2620440" cy="2090880"/>
+            <a:off x="6055200" y="4057560"/>
+            <a:ext cx="2620080" cy="2090520"/>
           </a:xfrm>
           <a:prstGeom prst="rect">
             <a:avLst/>
@@ -428,8 +428,8 @@
         </p:blipFill>
         <p:spPr>
           <a:xfrm>
-            <a:off x="1406880" y="4058280"/>
-            <a:ext cx="2620440" cy="2090880"/>
+            <a:off x="1407240" y="4057560"/>
+            <a:ext cx="2620080" cy="2090520"/>
           </a:xfrm>
           <a:prstGeom prst="rect">
             <a:avLst/>
@@ -474,7 +474,7 @@
         <p:spPr>
           <a:xfrm>
             <a:off x="504000" y="301320"/>
-            <a:ext cx="9071280" cy="1262520"/>
+            <a:ext cx="9070920" cy="1262520"/>
           </a:xfrm>
           <a:prstGeom prst="rect">
             <a:avLst/>
@@ -501,7 +501,7 @@
         <p:spPr>
           <a:xfrm>
             <a:off x="504000" y="1768680"/>
-            <a:ext cx="9072000" cy="4384440"/>
+            <a:ext cx="9071640" cy="4384080"/>
           </a:xfrm>
           <a:prstGeom prst="rect">
             <a:avLst/>
@@ -550,7 +550,7 @@
         <p:spPr>
           <a:xfrm>
             <a:off x="504000" y="301320"/>
-            <a:ext cx="9071280" cy="1262520"/>
+            <a:ext cx="9070920" cy="1262520"/>
           </a:xfrm>
           <a:prstGeom prst="rect">
             <a:avLst/>
@@ -577,7 +577,7 @@
         <p:spPr>
           <a:xfrm>
             <a:off x="504000" y="1768680"/>
-            <a:ext cx="9072000" cy="4384080"/>
+            <a:ext cx="9071640" cy="4383720"/>
           </a:xfrm>
           <a:prstGeom prst="rect">
             <a:avLst/>
@@ -625,7 +625,7 @@
         <p:spPr>
           <a:xfrm>
             <a:off x="504000" y="301320"/>
-            <a:ext cx="9071280" cy="1262520"/>
+            <a:ext cx="9070920" cy="1262520"/>
           </a:xfrm>
           <a:prstGeom prst="rect">
             <a:avLst/>
@@ -652,7 +652,7 @@
         <p:spPr>
           <a:xfrm>
             <a:off x="504000" y="1768680"/>
-            <a:ext cx="4426920" cy="4384080"/>
+            <a:ext cx="4426560" cy="4383720"/>
           </a:xfrm>
           <a:prstGeom prst="rect">
             <a:avLst/>
@@ -677,8 +677,8 @@
         </p:nvSpPr>
         <p:spPr>
           <a:xfrm>
-            <a:off x="5152320" y="1768680"/>
-            <a:ext cx="4426920" cy="4384080"/>
+            <a:off x="5151960" y="1768680"/>
+            <a:ext cx="4426560" cy="4383720"/>
           </a:xfrm>
           <a:prstGeom prst="rect">
             <a:avLst/>
@@ -726,7 +726,7 @@
         <p:spPr>
           <a:xfrm>
             <a:off x="504000" y="301320"/>
-            <a:ext cx="9071280" cy="1262520"/>
+            <a:ext cx="9070920" cy="1262520"/>
           </a:xfrm>
           <a:prstGeom prst="rect">
             <a:avLst/>
@@ -775,7 +775,7 @@
         <p:spPr>
           <a:xfrm>
             <a:off x="504000" y="301320"/>
-            <a:ext cx="9071280" cy="5851440"/>
+            <a:ext cx="9070920" cy="5851080"/>
           </a:xfrm>
           <a:prstGeom prst="rect">
             <a:avLst/>
@@ -824,7 +824,7 @@
         <p:spPr>
           <a:xfrm>
             <a:off x="504000" y="301320"/>
-            <a:ext cx="9071280" cy="1262520"/>
+            <a:ext cx="9070920" cy="1262520"/>
           </a:xfrm>
           <a:prstGeom prst="rect">
             <a:avLst/>
@@ -851,7 +851,7 @@
         <p:spPr>
           <a:xfrm>
             <a:off x="504000" y="1768680"/>
-            <a:ext cx="4426920" cy="2090880"/>
+            <a:ext cx="4426560" cy="2090520"/>
           </a:xfrm>
           <a:prstGeom prst="rect">
             <a:avLst/>
@@ -876,8 +876,8 @@
         </p:nvSpPr>
         <p:spPr>
           <a:xfrm>
-            <a:off x="504000" y="4058280"/>
-            <a:ext cx="4426920" cy="2090880"/>
+            <a:off x="504000" y="4057920"/>
+            <a:ext cx="4426560" cy="2090520"/>
           </a:xfrm>
           <a:prstGeom prst="rect">
             <a:avLst/>
@@ -902,8 +902,8 @@
         </p:nvSpPr>
         <p:spPr>
           <a:xfrm>
-            <a:off x="5152320" y="1768680"/>
-            <a:ext cx="4426920" cy="4384080"/>
+            <a:off x="5151960" y="1768680"/>
+            <a:ext cx="4426560" cy="4383720"/>
           </a:xfrm>
           <a:prstGeom prst="rect">
             <a:avLst/>
@@ -951,7 +951,7 @@
         <p:spPr>
           <a:xfrm>
             <a:off x="504000" y="301320"/>
-            <a:ext cx="9071280" cy="1262520"/>
+            <a:ext cx="9070920" cy="1262520"/>
           </a:xfrm>
           <a:prstGeom prst="rect">
             <a:avLst/>
@@ -978,7 +978,7 @@
         <p:spPr>
           <a:xfrm>
             <a:off x="504000" y="1768680"/>
-            <a:ext cx="4426920" cy="4384080"/>
+            <a:ext cx="4426560" cy="4383720"/>
           </a:xfrm>
           <a:prstGeom prst="rect">
             <a:avLst/>
@@ -1003,8 +1003,8 @@
         </p:nvSpPr>
         <p:spPr>
           <a:xfrm>
-            <a:off x="5152320" y="1768680"/>
-            <a:ext cx="4426920" cy="2090880"/>
+            <a:off x="5151960" y="1768680"/>
+            <a:ext cx="4426560" cy="2090520"/>
           </a:xfrm>
           <a:prstGeom prst="rect">
             <a:avLst/>
@@ -1029,8 +1029,8 @@
         </p:nvSpPr>
         <p:spPr>
           <a:xfrm>
-            <a:off x="5152320" y="4058280"/>
-            <a:ext cx="4426920" cy="2090880"/>
+            <a:off x="5151960" y="4057920"/>
+            <a:ext cx="4426560" cy="2090520"/>
           </a:xfrm>
           <a:prstGeom prst="rect">
             <a:avLst/>
@@ -1078,7 +1078,7 @@
         <p:spPr>
           <a:xfrm>
             <a:off x="504000" y="301320"/>
-            <a:ext cx="9071280" cy="1262520"/>
+            <a:ext cx="9070920" cy="1262520"/>
           </a:xfrm>
           <a:prstGeom prst="rect">
             <a:avLst/>
@@ -1105,7 +1105,7 @@
         <p:spPr>
           <a:xfrm>
             <a:off x="504000" y="1768680"/>
-            <a:ext cx="4426920" cy="2090880"/>
+            <a:ext cx="4426560" cy="2090520"/>
           </a:xfrm>
           <a:prstGeom prst="rect">
             <a:avLst/>
@@ -1130,8 +1130,8 @@
         </p:nvSpPr>
         <p:spPr>
           <a:xfrm>
-            <a:off x="5152320" y="1768680"/>
-            <a:ext cx="4426920" cy="2090880"/>
+            <a:off x="5151960" y="1768680"/>
+            <a:ext cx="4426560" cy="2090520"/>
           </a:xfrm>
           <a:prstGeom prst="rect">
             <a:avLst/>
@@ -1156,8 +1156,8 @@
         </p:nvSpPr>
         <p:spPr>
           <a:xfrm>
-            <a:off x="504000" y="4058280"/>
-            <a:ext cx="9071640" cy="2090880"/>
+            <a:off x="504000" y="4057920"/>
+            <a:ext cx="9070920" cy="2090520"/>
           </a:xfrm>
           <a:prstGeom prst="rect">
             <a:avLst/>
@@ -1213,7 +1213,7 @@
         <p:spPr>
           <a:xfrm>
             <a:off x="504000" y="301320"/>
-            <a:ext cx="9071280" cy="1262160"/>
+            <a:ext cx="9070920" cy="1262160"/>
           </a:xfrm>
           <a:prstGeom prst="rect">
             <a:avLst/>
@@ -1243,7 +1243,7 @@
         <p:spPr>
           <a:xfrm>
             <a:off x="504000" y="1768680"/>
-            <a:ext cx="9072000" cy="4384080"/>
+            <a:ext cx="9071640" cy="4383720"/>
           </a:xfrm>
           <a:prstGeom prst="rect">
             <a:avLst/>
@@ -1383,7 +1383,7 @@
         <p:spPr>
           <a:xfrm>
             <a:off x="504000" y="301320"/>
-            <a:ext cx="9071280" cy="1261800"/>
+            <a:ext cx="9070920" cy="1261440"/>
           </a:xfrm>
           <a:prstGeom prst="rect">
             <a:avLst/>
@@ -1395,6 +1395,19 @@
         </p:spPr>
         <p:txBody>
           <a:bodyPr anchor="ctr" bIns="0" lIns="0" rIns="0" tIns="0" wrap="none"/>
+          <a:p>
+            <a:pPr algn="ctr"/>
+            <a:r>
+              <a:rPr lang="sv-SE" sz="7200">
+                <a:solidFill>
+                  <a:srgbClr val="ffffff"/>
+                </a:solidFill>
+                <a:latin typeface="Armalite Rifle"/>
+              </a:rPr>
+              <a:t>Royal Hearts</a:t>
+            </a:r>
+            <a:endParaRPr/>
+          </a:p>
           <a:p>
             <a:pPr algn="ctr">
               <a:lnSpc>
@@ -1408,25 +1421,6 @@
                 </a:solidFill>
                 <a:latin typeface="Armalite Rifle"/>
               </a:rPr>
-              <a:t>Royal Hearts</a:t>
-            </a:r>
-            <a:r>
-              <a:rPr lang="sv-SE" sz="7200">
-                <a:solidFill>
-                  <a:srgbClr val="ffffff"/>
-                </a:solidFill>
-                <a:latin typeface="Armalite Rifle"/>
-              </a:rPr>
-              <a:t>
-</a:t>
-            </a:r>
-            <a:r>
-              <a:rPr lang="sv-SE" sz="7200">
-                <a:solidFill>
-                  <a:srgbClr val="ffffff"/>
-                </a:solidFill>
-                <a:latin typeface="Armalite Rifle"/>
-              </a:rPr>
               <a:t>matkasse</a:t>
             </a:r>
             <a:endParaRPr/>
@@ -1448,7 +1442,7 @@
         <p:spPr>
           <a:xfrm>
             <a:off x="1800000" y="1819080"/>
-            <a:ext cx="6399000" cy="4876560"/>
+            <a:ext cx="6398640" cy="4876200"/>
           </a:xfrm>
           <a:prstGeom prst="rect">
             <a:avLst/>
@@ -1516,7 +1510,7 @@
         <p:spPr>
           <a:xfrm>
             <a:off x="504000" y="301320"/>
-            <a:ext cx="9071280" cy="1261800"/>
+            <a:ext cx="9070920" cy="1261440"/>
           </a:xfrm>
           <a:prstGeom prst="rect">
             <a:avLst/>
@@ -1556,7 +1550,7 @@
         <p:spPr>
           <a:xfrm>
             <a:off x="504000" y="1769040"/>
-            <a:ext cx="9071280" cy="4384080"/>
+            <a:ext cx="9070920" cy="4383720"/>
           </a:xfrm>
           <a:prstGeom prst="rect">
             <a:avLst/>
@@ -1582,7 +1576,7 @@
         <p:spPr>
           <a:xfrm>
             <a:off x="0" y="5112000"/>
-            <a:ext cx="2437560" cy="2437560"/>
+            <a:ext cx="2437200" cy="2437200"/>
           </a:xfrm>
           <a:prstGeom prst="rect">
             <a:avLst/>
@@ -1594,60 +1588,70 @@
       </p:pic>
       <p:sp>
         <p:nvSpPr>
-          <p:cNvPr id="41" name="TextShape 3"/>
-          <p:cNvSpPr txBox="1"/>
+          <p:cNvPr id="41" name="CustomShape 3"/>
+          <p:cNvSpPr/>
           <p:nvPr/>
         </p:nvSpPr>
         <p:spPr>
           <a:xfrm>
             <a:off x="1872000" y="2520000"/>
-            <a:ext cx="6552000" cy="3744000"/>
-          </a:xfrm>
-          <a:prstGeom prst="rect">
-            <a:avLst/>
-          </a:prstGeom>
+            <a:ext cx="6551640" cy="3743640"/>
+          </a:xfrm>
+          <a:prstGeom prst="rect">
+            <a:avLst/>
+          </a:prstGeom>
+          <a:noFill/>
+          <a:ln>
+            <a:noFill/>
+          </a:ln>
         </p:spPr>
         <p:txBody>
           <a:bodyPr bIns="45000" lIns="90000" rIns="90000" tIns="45000" wrap="none"/>
           <a:p>
             <a:pPr>
-              <a:buSzPct val="25000"/>
-              <a:buFont typeface="StarSymbol"/>
-              <a:buChar char=""/>
+              <a:lnSpc>
+                <a:spcPct val="100000"/>
+              </a:lnSpc>
             </a:pPr>
             <a:r>
               <a:rPr lang="sv-SE" sz="3600">
                 <a:latin typeface="Ubuntu Medium"/>
               </a:rPr>
-              <a:t>Komponenter</a:t>
+              <a:t>API – Tomcat, Jersey REST</a:t>
             </a:r>
             <a:endParaRPr/>
           </a:p>
           <a:p>
             <a:pPr>
+              <a:lnSpc>
+                <a:spcPct val="100000"/>
+              </a:lnSpc>
               <a:buSzPct val="25000"/>
               <a:buFont typeface="StarSymbol"/>
-              <a:buChar char=""/>
+              <a:buChar char="l"/>
             </a:pPr>
             <a:r>
               <a:rPr lang="sv-SE" sz="3600">
                 <a:latin typeface="Ubuntu Medium"/>
               </a:rPr>
-              <a:t>3PP's</a:t>
+              <a:t>Webklienten</a:t>
             </a:r>
             <a:endParaRPr/>
           </a:p>
           <a:p>
             <a:pPr>
+              <a:lnSpc>
+                <a:spcPct val="100000"/>
+              </a:lnSpc>
               <a:buSzPct val="25000"/>
               <a:buFont typeface="StarSymbol"/>
-              <a:buChar char=""/>
+              <a:buChar char="l"/>
             </a:pPr>
             <a:r>
               <a:rPr lang="sv-SE" sz="3600">
                 <a:latin typeface="Ubuntu Medium"/>
               </a:rPr>
-              <a:t>Installation &amp; konfiguration </a:t>
+              <a:t>Android</a:t>
             </a:r>
             <a:endParaRPr/>
           </a:p>
@@ -1661,193 +1665,7 @@
         <p:cTn dur="indefinite" id="3" nodeType="tmRoot" restart="never">
           <p:childTnLst>
             <p:seq>
-              <p:cTn id="4" nodeType="mainSeq">
-                <p:childTnLst>
-                  <p:par>
-                    <p:cTn fill="freeze" id="5">
-                      <p:stCondLst>
-                        <p:cond delay="indefinite"/>
-                      </p:stCondLst>
-                      <p:childTnLst>
-                        <p:par>
-                          <p:cTn fill="freeze" id="6">
-                            <p:stCondLst>
-                              <p:cond delay="0"/>
-                            </p:stCondLst>
-                            <p:childTnLst>
-                              <p:par>
-                                <p:cTn fill="hold" id="7" nodeType="clickEffect" presetClass="entr" presetID="8" presetSubtype="16">
-                                  <p:stCondLst>
-                                    <p:cond delay="0"/>
-                                  </p:stCondLst>
-                                  <p:childTnLst>
-                                    <p:set>
-                                      <p:cBhvr>
-                                        <p:cTn dur="1" fill="hold" id="8">
-                                          <p:stCondLst>
-                                            <p:cond delay="0"/>
-                                          </p:stCondLst>
-                                        </p:cTn>
-                                        <p:tgtEl>
-                                          <p:spTgt spid="41">
-                                            <p:txEl>
-                                              <p:pRg end="12" st="0"/>
-                                            </p:txEl>
-                                          </p:spTgt>
-                                        </p:tgtEl>
-                                        <p:attrNameLst>
-                                          <p:attrName>style.visibility</p:attrName>
-                                        </p:attrNameLst>
-                                      </p:cBhvr>
-                                      <p:to>
-                                        <p:strVal val="visible"/>
-                                      </p:to>
-                                    </p:set>
-                                    <p:animEffect filter="diamond(in)" transition="out">
-                                      <p:cBhvr additive="repl">
-                                        <p:cTn dur="2000" id="9"/>
-                                        <p:tgtEl>
-                                          <p:spTgt spid="41">
-                                            <p:txEl>
-                                              <p:pRg end="12" st="0"/>
-                                            </p:txEl>
-                                          </p:spTgt>
-                                        </p:tgtEl>
-                                      </p:cBhvr>
-                                    </p:animEffect>
-                                  </p:childTnLst>
-                                </p:cTn>
-                              </p:par>
-                            </p:childTnLst>
-                          </p:cTn>
-                        </p:par>
-                      </p:childTnLst>
-                    </p:cTn>
-                  </p:par>
-                  <p:par>
-                    <p:cTn fill="freeze" id="10">
-                      <p:stCondLst>
-                        <p:cond delay="indefinite"/>
-                      </p:stCondLst>
-                      <p:childTnLst>
-                        <p:par>
-                          <p:cTn fill="freeze" id="11">
-                            <p:stCondLst>
-                              <p:cond delay="0"/>
-                            </p:stCondLst>
-                            <p:childTnLst>
-                              <p:par>
-                                <p:cTn fill="hold" id="12" nodeType="clickEffect" presetClass="entr" presetID="8" presetSubtype="16">
-                                  <p:stCondLst>
-                                    <p:cond delay="0"/>
-                                  </p:stCondLst>
-                                  <p:childTnLst>
-                                    <p:set>
-                                      <p:cBhvr>
-                                        <p:cTn dur="1" fill="hold" id="13">
-                                          <p:stCondLst>
-                                            <p:cond delay="0"/>
-                                          </p:stCondLst>
-                                        </p:cTn>
-                                        <p:tgtEl>
-                                          <p:spTgt spid="41">
-                                            <p:txEl>
-                                              <p:pRg end="18" st="12"/>
-                                            </p:txEl>
-                                          </p:spTgt>
-                                        </p:tgtEl>
-                                        <p:attrNameLst>
-                                          <p:attrName>style.visibility</p:attrName>
-                                        </p:attrNameLst>
-                                      </p:cBhvr>
-                                      <p:to>
-                                        <p:strVal val="visible"/>
-                                      </p:to>
-                                    </p:set>
-                                    <p:animEffect filter="diamond(in)" transition="out">
-                                      <p:cBhvr additive="repl">
-                                        <p:cTn dur="2000" id="14"/>
-                                        <p:tgtEl>
-                                          <p:spTgt spid="41">
-                                            <p:txEl>
-                                              <p:pRg end="18" st="12"/>
-                                            </p:txEl>
-                                          </p:spTgt>
-                                        </p:tgtEl>
-                                      </p:cBhvr>
-                                    </p:animEffect>
-                                  </p:childTnLst>
-                                </p:cTn>
-                              </p:par>
-                            </p:childTnLst>
-                          </p:cTn>
-                        </p:par>
-                      </p:childTnLst>
-                    </p:cTn>
-                  </p:par>
-                  <p:par>
-                    <p:cTn fill="freeze" id="15">
-                      <p:stCondLst>
-                        <p:cond delay="indefinite"/>
-                      </p:stCondLst>
-                      <p:childTnLst>
-                        <p:par>
-                          <p:cTn fill="freeze" id="16">
-                            <p:stCondLst>
-                              <p:cond delay="0"/>
-                            </p:stCondLst>
-                            <p:childTnLst>
-                              <p:par>
-                                <p:cTn fill="hold" id="17" nodeType="clickEffect" presetClass="entr" presetID="8" presetSubtype="16">
-                                  <p:stCondLst>
-                                    <p:cond delay="0"/>
-                                  </p:stCondLst>
-                                  <p:childTnLst>
-                                    <p:set>
-                                      <p:cBhvr>
-                                        <p:cTn dur="1" fill="hold" id="18">
-                                          <p:stCondLst>
-                                            <p:cond delay="0"/>
-                                          </p:stCondLst>
-                                        </p:cTn>
-                                        <p:tgtEl>
-                                          <p:spTgt spid="41">
-                                            <p:txEl>
-                                              <p:pRg end="48" st="18"/>
-                                            </p:txEl>
-                                          </p:spTgt>
-                                        </p:tgtEl>
-                                        <p:attrNameLst>
-                                          <p:attrName>style.visibility</p:attrName>
-                                        </p:attrNameLst>
-                                      </p:cBhvr>
-                                      <p:to>
-                                        <p:strVal val="visible"/>
-                                      </p:to>
-                                    </p:set>
-                                    <p:animEffect filter="diamond(in)" transition="out">
-                                      <p:cBhvr additive="repl">
-                                        <p:cTn dur="2000" id="19"/>
-                                        <p:tgtEl>
-                                          <p:spTgt spid="41">
-                                            <p:txEl>
-                                              <p:pRg end="48" st="18"/>
-                                            </p:txEl>
-                                          </p:spTgt>
-                                        </p:tgtEl>
-                                      </p:cBhvr>
-                                    </p:animEffect>
-                                  </p:childTnLst>
-                                </p:cTn>
-                              </p:par>
-                            </p:childTnLst>
-                          </p:cTn>
-                        </p:par>
-                      </p:childTnLst>
-                    </p:cTn>
-                  </p:par>
-                </p:childTnLst>
-              </p:cTn>
+              <p:cTn id="4" nodeType="mainSeq"/>
               <p:prevCondLst>
                 <p:cond delay="0" evt="onPrev">
                   <p:tgtEl>
@@ -1897,7 +1715,7 @@
         <p:spPr>
           <a:xfrm>
             <a:off x="504000" y="301320"/>
-            <a:ext cx="9071280" cy="1261800"/>
+            <a:ext cx="9070920" cy="1261440"/>
           </a:xfrm>
           <a:prstGeom prst="rect">
             <a:avLst/>
@@ -1937,7 +1755,7 @@
         <p:spPr>
           <a:xfrm>
             <a:off x="504000" y="1769040"/>
-            <a:ext cx="9071280" cy="4384080"/>
+            <a:ext cx="9070920" cy="4383720"/>
           </a:xfrm>
           <a:prstGeom prst="rect">
             <a:avLst/>
@@ -1963,7 +1781,7 @@
         <p:spPr>
           <a:xfrm>
             <a:off x="-360" y="4703040"/>
-            <a:ext cx="2856960" cy="2856960"/>
+            <a:ext cx="2856600" cy="2856600"/>
           </a:xfrm>
           <a:prstGeom prst="rect">
             <a:avLst/>
@@ -1975,29 +1793,36 @@
       </p:pic>
       <p:sp>
         <p:nvSpPr>
-          <p:cNvPr id="45" name="TextShape 3"/>
-          <p:cNvSpPr txBox="1"/>
+          <p:cNvPr id="45" name="CustomShape 3"/>
+          <p:cNvSpPr/>
           <p:nvPr/>
         </p:nvSpPr>
         <p:spPr>
           <a:xfrm>
             <a:off x="2863080" y="2520000"/>
-            <a:ext cx="4603320" cy="1512720"/>
-          </a:xfrm>
-          <a:prstGeom prst="rect">
-            <a:avLst/>
-          </a:prstGeom>
+            <a:ext cx="4602960" cy="1512360"/>
+          </a:xfrm>
+          <a:prstGeom prst="rect">
+            <a:avLst/>
+          </a:prstGeom>
+          <a:noFill/>
+          <a:ln>
+            <a:noFill/>
+          </a:ln>
         </p:spPr>
         <p:txBody>
           <a:bodyPr bIns="45000" lIns="90000" rIns="90000" tIns="45000" wrap="none"/>
           <a:p>
             <a:pPr>
+              <a:lnSpc>
+                <a:spcPct val="100000"/>
+              </a:lnSpc>
               <a:buSzPct val="25000"/>
               <a:buFont typeface="StarSymbol"/>
-              <a:buChar char=""/>
+              <a:buChar char="l"/>
             </a:pPr>
             <a:r>
-              <a:rPr lang="sv-SE" sz="2600">
+              <a:rPr lang="sv-SE" sz="3600">
                 <a:latin typeface="Ubuntu Medium"/>
               </a:rPr>
               <a:t>Vad är GitHub?</a:t>
@@ -2006,12 +1831,15 @@
           </a:p>
           <a:p>
             <a:pPr>
+              <a:lnSpc>
+                <a:spcPct val="100000"/>
+              </a:lnSpc>
               <a:buSzPct val="25000"/>
               <a:buFont typeface="StarSymbol"/>
-              <a:buChar char=""/>
+              <a:buChar char="l"/>
             </a:pPr>
             <a:r>
-              <a:rPr lang="sv-SE" sz="2600">
+              <a:rPr lang="sv-SE" sz="3600">
                 <a:latin typeface="Ubuntu Medium"/>
               </a:rPr>
               <a:t>struktur på källkod</a:t>
@@ -2020,12 +1848,15 @@
           </a:p>
           <a:p>
             <a:pPr>
+              <a:lnSpc>
+                <a:spcPct val="100000"/>
+              </a:lnSpc>
               <a:buSzPct val="25000"/>
               <a:buFont typeface="StarSymbol"/>
-              <a:buChar char=""/>
+              <a:buChar char="l"/>
             </a:pPr>
             <a:r>
-              <a:rPr lang="sv-SE" sz="2600">
+              <a:rPr lang="sv-SE" sz="3600">
                 <a:latin typeface="Ubuntu Medium"/>
               </a:rPr>
               <a:t>Kodexempel</a:t>
@@ -2039,10 +1870,10 @@
   <p:timing>
     <p:tnLst>
       <p:par>
-        <p:cTn dur="indefinite" id="20" nodeType="tmRoot" restart="never">
+        <p:cTn dur="indefinite" id="5" nodeType="tmRoot" restart="never">
           <p:childTnLst>
             <p:seq>
-              <p:cTn id="21" nodeType="mainSeq"/>
+              <p:cTn id="6" nodeType="mainSeq"/>
               <p:prevCondLst>
                 <p:cond delay="0" evt="onPrev">
                   <p:tgtEl>
@@ -2092,7 +1923,7 @@
         <p:spPr>
           <a:xfrm>
             <a:off x="504000" y="301320"/>
-            <a:ext cx="9071280" cy="1261800"/>
+            <a:ext cx="9070920" cy="1261440"/>
           </a:xfrm>
           <a:prstGeom prst="rect">
             <a:avLst/>
@@ -2132,7 +1963,7 @@
         <p:spPr>
           <a:xfrm>
             <a:off x="504000" y="1769040"/>
-            <a:ext cx="9071280" cy="4384080"/>
+            <a:ext cx="9070920" cy="4383720"/>
           </a:xfrm>
           <a:prstGeom prst="rect">
             <a:avLst/>
@@ -2158,7 +1989,7 @@
         <p:spPr>
           <a:xfrm>
             <a:off x="9000" y="3750480"/>
-            <a:ext cx="3809160" cy="3809160"/>
+            <a:ext cx="3808800" cy="3808800"/>
           </a:xfrm>
           <a:prstGeom prst="rect">
             <a:avLst/>
@@ -2170,18 +2001,22 @@
       </p:pic>
       <p:sp>
         <p:nvSpPr>
-          <p:cNvPr id="49" name="TextShape 3"/>
-          <p:cNvSpPr txBox="1"/>
+          <p:cNvPr id="49" name="CustomShape 3"/>
+          <p:cNvSpPr/>
           <p:nvPr/>
         </p:nvSpPr>
         <p:spPr>
           <a:xfrm>
             <a:off x="864000" y="2160000"/>
-            <a:ext cx="3456000" cy="1117800"/>
-          </a:xfrm>
-          <a:prstGeom prst="rect">
-            <a:avLst/>
-          </a:prstGeom>
+            <a:ext cx="3455640" cy="1117440"/>
+          </a:xfrm>
+          <a:prstGeom prst="rect">
+            <a:avLst/>
+          </a:prstGeom>
+          <a:noFill/>
+          <a:ln>
+            <a:noFill/>
+          </a:ln>
         </p:spPr>
         <p:txBody>
           <a:bodyPr bIns="45000" lIns="90000" rIns="90000" tIns="45000" wrap="none"/>
@@ -2207,18 +2042,22 @@
       </p:sp>
       <p:sp>
         <p:nvSpPr>
-          <p:cNvPr id="50" name="TextShape 4"/>
-          <p:cNvSpPr txBox="1"/>
+          <p:cNvPr id="50" name="CustomShape 4"/>
+          <p:cNvSpPr/>
           <p:nvPr/>
         </p:nvSpPr>
         <p:spPr>
           <a:xfrm>
             <a:off x="4968000" y="2160000"/>
-            <a:ext cx="3456000" cy="4200120"/>
-          </a:xfrm>
-          <a:prstGeom prst="rect">
-            <a:avLst/>
-          </a:prstGeom>
+            <a:ext cx="3455640" cy="4199760"/>
+          </a:xfrm>
+          <a:prstGeom prst="rect">
+            <a:avLst/>
+          </a:prstGeom>
+          <a:noFill/>
+          <a:ln>
+            <a:noFill/>
+          </a:ln>
         </p:spPr>
         <p:txBody>
           <a:bodyPr bIns="45000" lIns="90000" rIns="90000" tIns="45000" wrap="none"/>
@@ -2295,32 +2134,32 @@
   <p:timing>
     <p:tnLst>
       <p:par>
-        <p:cTn dur="indefinite" id="22" nodeType="tmRoot" restart="never">
+        <p:cTn dur="indefinite" id="7" nodeType="tmRoot" restart="never">
           <p:childTnLst>
             <p:seq>
-              <p:cTn id="23" nodeType="mainSeq">
+              <p:cTn id="8" nodeType="mainSeq">
                 <p:childTnLst>
                   <p:par>
-                    <p:cTn fill="freeze" id="24">
+                    <p:cTn fill="freeze" id="9">
                       <p:stCondLst>
                         <p:cond delay="indefinite"/>
                       </p:stCondLst>
                       <p:childTnLst>
                         <p:par>
-                          <p:cTn fill="freeze" id="25">
+                          <p:cTn fill="freeze" id="10">
                             <p:stCondLst>
                               <p:cond delay="0"/>
                             </p:stCondLst>
                             <p:childTnLst>
                               <p:par>
-                                <p:cTn fill="hold" id="26" nodeType="clickEffect" presetClass="entr" presetID="1">
+                                <p:cTn fill="hold" id="11" nodeType="clickEffect" presetClass="entr" presetID="1">
                                   <p:stCondLst>
                                     <p:cond delay="0"/>
                                   </p:stCondLst>
                                   <p:childTnLst>
                                     <p:set>
                                       <p:cBhvr>
-                                        <p:cTn dur="1" fill="hold" id="27">
+                                        <p:cTn dur="1" fill="hold" id="12">
                                           <p:stCondLst>
                                             <p:cond delay="0"/>
                                           </p:stCondLst>
@@ -2344,14 +2183,14 @@
                                 </p:cTn>
                               </p:par>
                               <p:par>
-                                <p:cTn fill="hold" id="28" nodeType="withEffect" presetClass="entr" presetID="1">
+                                <p:cTn fill="hold" id="13" nodeType="withEffect" presetClass="entr" presetID="1">
                                   <p:stCondLst>
                                     <p:cond delay="0"/>
                                   </p:stCondLst>
                                   <p:childTnLst>
                                     <p:set>
                                       <p:cBhvr>
-                                        <p:cTn dur="1" fill="hold" id="29">
+                                        <p:cTn dur="1" fill="hold" id="14">
                                           <p:stCondLst>
                                             <p:cond delay="0"/>
                                           </p:stCondLst>
@@ -2359,7 +2198,7 @@
                                         <p:tgtEl>
                                           <p:spTgt spid="49">
                                             <p:txEl>
-                                              <p:pRg end="19" st="6"/>
+                                              <p:pRg end="19" st="19"/>
                                             </p:txEl>
                                           </p:spTgt>
                                         </p:tgtEl>
@@ -2381,19 +2220,234 @@
                     </p:cTn>
                   </p:par>
                   <p:par>
-                    <p:cTn fill="freeze" id="30">
+                    <p:cTn fill="freeze" id="15">
                       <p:stCondLst>
                         <p:cond delay="indefinite"/>
                       </p:stCondLst>
                       <p:childTnLst>
                         <p:par>
-                          <p:cTn fill="freeze" id="31">
+                          <p:cTn fill="freeze" id="16">
                             <p:stCondLst>
                               <p:cond delay="0"/>
                             </p:stCondLst>
                             <p:childTnLst>
                               <p:par>
-                                <p:cTn fill="hold" id="32" nodeType="clickEffect" presetClass="entr" presetID="4" presetSubtype="16">
+                                <p:cTn fill="hold" id="17" nodeType="clickEffect" presetClass="entr" presetID="4" presetSubtype="16">
+                                  <p:stCondLst>
+                                    <p:cond delay="0"/>
+                                  </p:stCondLst>
+                                  <p:childTnLst>
+                                    <p:set>
+                                      <p:cBhvr>
+                                        <p:cTn dur="1" fill="hold" id="18">
+                                          <p:stCondLst>
+                                            <p:cond delay="0"/>
+                                          </p:stCondLst>
+                                        </p:cTn>
+                                        <p:tgtEl>
+                                          <p:spTgt spid="50">
+                                            <p:txEl>
+                                              <p:pRg end="10" st="0"/>
+                                            </p:txEl>
+                                          </p:spTgt>
+                                        </p:tgtEl>
+                                        <p:attrNameLst>
+                                          <p:attrName>style.visibility</p:attrName>
+                                        </p:attrNameLst>
+                                      </p:cBhvr>
+                                      <p:to>
+                                        <p:strVal val="visible"/>
+                                      </p:to>
+                                    </p:set>
+                                    <p:animEffect filter="box(in)" transition="out">
+                                      <p:cBhvr additive="repl">
+                                        <p:cTn dur="500" id="19"/>
+                                        <p:tgtEl>
+                                          <p:spTgt spid="50">
+                                            <p:txEl>
+                                              <p:pRg end="10" st="0"/>
+                                            </p:txEl>
+                                          </p:spTgt>
+                                        </p:tgtEl>
+                                      </p:cBhvr>
+                                    </p:animEffect>
+                                  </p:childTnLst>
+                                </p:cTn>
+                              </p:par>
+                              <p:par>
+                                <p:cTn fill="hold" id="20" nodeType="withEffect" presetClass="entr" presetID="4" presetSubtype="16">
+                                  <p:stCondLst>
+                                    <p:cond delay="0"/>
+                                  </p:stCondLst>
+                                  <p:childTnLst>
+                                    <p:set>
+                                      <p:cBhvr>
+                                        <p:cTn dur="1" fill="hold" id="21">
+                                          <p:stCondLst>
+                                            <p:cond delay="0"/>
+                                          </p:stCondLst>
+                                        </p:cTn>
+                                        <p:tgtEl>
+                                          <p:spTgt spid="50">
+                                            <p:txEl>
+                                              <p:pRg end="63" st="63"/>
+                                            </p:txEl>
+                                          </p:spTgt>
+                                        </p:tgtEl>
+                                        <p:attrNameLst>
+                                          <p:attrName>style.visibility</p:attrName>
+                                        </p:attrNameLst>
+                                      </p:cBhvr>
+                                      <p:to>
+                                        <p:strVal val="visible"/>
+                                      </p:to>
+                                    </p:set>
+                                    <p:animEffect filter="box(in)" transition="out">
+                                      <p:cBhvr additive="repl">
+                                        <p:cTn dur="500" id="22"/>
+                                        <p:tgtEl>
+                                          <p:spTgt spid="50">
+                                            <p:txEl>
+                                              <p:pRg end="63" st="63"/>
+                                            </p:txEl>
+                                          </p:spTgt>
+                                        </p:tgtEl>
+                                      </p:cBhvr>
+                                    </p:animEffect>
+                                  </p:childTnLst>
+                                </p:cTn>
+                              </p:par>
+                              <p:par>
+                                <p:cTn fill="hold" id="23" nodeType="withEffect" presetClass="entr" presetID="4" presetSubtype="16">
+                                  <p:stCondLst>
+                                    <p:cond delay="0"/>
+                                  </p:stCondLst>
+                                  <p:childTnLst>
+                                    <p:set>
+                                      <p:cBhvr>
+                                        <p:cTn dur="1" fill="hold" id="24">
+                                          <p:stCondLst>
+                                            <p:cond delay="0"/>
+                                          </p:stCondLst>
+                                        </p:cTn>
+                                        <p:tgtEl>
+                                          <p:spTgt spid="50">
+                                            <p:txEl>
+                                              <p:pRg end="63" st="63"/>
+                                            </p:txEl>
+                                          </p:spTgt>
+                                        </p:tgtEl>
+                                        <p:attrNameLst>
+                                          <p:attrName>style.visibility</p:attrName>
+                                        </p:attrNameLst>
+                                      </p:cBhvr>
+                                      <p:to>
+                                        <p:strVal val="visible"/>
+                                      </p:to>
+                                    </p:set>
+                                    <p:animEffect filter="box(in)" transition="out">
+                                      <p:cBhvr additive="repl">
+                                        <p:cTn dur="500" id="25"/>
+                                        <p:tgtEl>
+                                          <p:spTgt spid="50">
+                                            <p:txEl>
+                                              <p:pRg end="63" st="63"/>
+                                            </p:txEl>
+                                          </p:spTgt>
+                                        </p:tgtEl>
+                                      </p:cBhvr>
+                                    </p:animEffect>
+                                  </p:childTnLst>
+                                </p:cTn>
+                              </p:par>
+                              <p:par>
+                                <p:cTn fill="hold" id="26" nodeType="withEffect" presetClass="entr" presetID="4" presetSubtype="16">
+                                  <p:stCondLst>
+                                    <p:cond delay="0"/>
+                                  </p:stCondLst>
+                                  <p:childTnLst>
+                                    <p:set>
+                                      <p:cBhvr>
+                                        <p:cTn dur="1" fill="hold" id="27">
+                                          <p:stCondLst>
+                                            <p:cond delay="0"/>
+                                          </p:stCondLst>
+                                        </p:cTn>
+                                        <p:tgtEl>
+                                          <p:spTgt spid="50">
+                                            <p:txEl>
+                                              <p:pRg end="63" st="63"/>
+                                            </p:txEl>
+                                          </p:spTgt>
+                                        </p:tgtEl>
+                                        <p:attrNameLst>
+                                          <p:attrName>style.visibility</p:attrName>
+                                        </p:attrNameLst>
+                                      </p:cBhvr>
+                                      <p:to>
+                                        <p:strVal val="visible"/>
+                                      </p:to>
+                                    </p:set>
+                                    <p:animEffect filter="box(in)" transition="out">
+                                      <p:cBhvr additive="repl">
+                                        <p:cTn dur="500" id="28"/>
+                                        <p:tgtEl>
+                                          <p:spTgt spid="50">
+                                            <p:txEl>
+                                              <p:pRg end="63" st="63"/>
+                                            </p:txEl>
+                                          </p:spTgt>
+                                        </p:tgtEl>
+                                      </p:cBhvr>
+                                    </p:animEffect>
+                                  </p:childTnLst>
+                                </p:cTn>
+                              </p:par>
+                              <p:par>
+                                <p:cTn fill="hold" id="29" nodeType="withEffect" presetClass="entr" presetID="4" presetSubtype="16">
+                                  <p:stCondLst>
+                                    <p:cond delay="0"/>
+                                  </p:stCondLst>
+                                  <p:childTnLst>
+                                    <p:set>
+                                      <p:cBhvr>
+                                        <p:cTn dur="1" fill="hold" id="30">
+                                          <p:stCondLst>
+                                            <p:cond delay="0"/>
+                                          </p:stCondLst>
+                                        </p:cTn>
+                                        <p:tgtEl>
+                                          <p:spTgt spid="50">
+                                            <p:txEl>
+                                              <p:pRg end="63" st="63"/>
+                                            </p:txEl>
+                                          </p:spTgt>
+                                        </p:tgtEl>
+                                        <p:attrNameLst>
+                                          <p:attrName>style.visibility</p:attrName>
+                                        </p:attrNameLst>
+                                      </p:cBhvr>
+                                      <p:to>
+                                        <p:strVal val="visible"/>
+                                      </p:to>
+                                    </p:set>
+                                    <p:animEffect filter="box(in)" transition="out">
+                                      <p:cBhvr additive="repl">
+                                        <p:cTn dur="500" id="31"/>
+                                        <p:tgtEl>
+                                          <p:spTgt spid="50">
+                                            <p:txEl>
+                                              <p:pRg end="63" st="63"/>
+                                            </p:txEl>
+                                          </p:spTgt>
+                                        </p:tgtEl>
+                                      </p:cBhvr>
+                                    </p:animEffect>
+                                  </p:childTnLst>
+                                </p:cTn>
+                              </p:par>
+                              <p:par>
+                                <p:cTn fill="hold" id="32" nodeType="withEffect" presetClass="entr" presetID="4" presetSubtype="16">
                                   <p:stCondLst>
                                     <p:cond delay="0"/>
                                   </p:stCondLst>
@@ -2408,7 +2462,7 @@
                                         <p:tgtEl>
                                           <p:spTgt spid="50">
                                             <p:txEl>
-                                              <p:pRg end="10" st="0"/>
+                                              <p:pRg end="63" st="63"/>
                                             </p:txEl>
                                           </p:spTgt>
                                         </p:tgtEl>
@@ -2426,7 +2480,7 @@
                                         <p:tgtEl>
                                           <p:spTgt spid="50">
                                             <p:txEl>
-                                              <p:pRg end="10" st="0"/>
+                                              <p:pRg end="63" st="63"/>
                                             </p:txEl>
                                           </p:spTgt>
                                         </p:tgtEl>
@@ -2451,7 +2505,7 @@
                                         <p:tgtEl>
                                           <p:spTgt spid="50">
                                             <p:txEl>
-                                              <p:pRg end="17" st="10"/>
+                                              <p:pRg end="63" st="63"/>
                                             </p:txEl>
                                           </p:spTgt>
                                         </p:tgtEl>
@@ -2469,222 +2523,7 @@
                                         <p:tgtEl>
                                           <p:spTgt spid="50">
                                             <p:txEl>
-                                              <p:pRg end="17" st="10"/>
-                                            </p:txEl>
-                                          </p:spTgt>
-                                        </p:tgtEl>
-                                      </p:cBhvr>
-                                    </p:animEffect>
-                                  </p:childTnLst>
-                                </p:cTn>
-                              </p:par>
-                              <p:par>
-                                <p:cTn fill="hold" id="38" nodeType="withEffect" presetClass="entr" presetID="4" presetSubtype="16">
-                                  <p:stCondLst>
-                                    <p:cond delay="0"/>
-                                  </p:stCondLst>
-                                  <p:childTnLst>
-                                    <p:set>
-                                      <p:cBhvr>
-                                        <p:cTn dur="1" fill="hold" id="39">
-                                          <p:stCondLst>
-                                            <p:cond delay="0"/>
-                                          </p:stCondLst>
-                                        </p:cTn>
-                                        <p:tgtEl>
-                                          <p:spTgt spid="50">
-                                            <p:txEl>
-                                              <p:pRg end="23" st="17"/>
-                                            </p:txEl>
-                                          </p:spTgt>
-                                        </p:tgtEl>
-                                        <p:attrNameLst>
-                                          <p:attrName>style.visibility</p:attrName>
-                                        </p:attrNameLst>
-                                      </p:cBhvr>
-                                      <p:to>
-                                        <p:strVal val="visible"/>
-                                      </p:to>
-                                    </p:set>
-                                    <p:animEffect filter="box(in)" transition="out">
-                                      <p:cBhvr additive="repl">
-                                        <p:cTn dur="500" id="40"/>
-                                        <p:tgtEl>
-                                          <p:spTgt spid="50">
-                                            <p:txEl>
-                                              <p:pRg end="23" st="17"/>
-                                            </p:txEl>
-                                          </p:spTgt>
-                                        </p:tgtEl>
-                                      </p:cBhvr>
-                                    </p:animEffect>
-                                  </p:childTnLst>
-                                </p:cTn>
-                              </p:par>
-                              <p:par>
-                                <p:cTn fill="hold" id="41" nodeType="withEffect" presetClass="entr" presetID="4" presetSubtype="16">
-                                  <p:stCondLst>
-                                    <p:cond delay="0"/>
-                                  </p:stCondLst>
-                                  <p:childTnLst>
-                                    <p:set>
-                                      <p:cBhvr>
-                                        <p:cTn dur="1" fill="hold" id="42">
-                                          <p:stCondLst>
-                                            <p:cond delay="0"/>
-                                          </p:stCondLst>
-                                        </p:cTn>
-                                        <p:tgtEl>
-                                          <p:spTgt spid="50">
-                                            <p:txEl>
-                                              <p:pRg end="32" st="23"/>
-                                            </p:txEl>
-                                          </p:spTgt>
-                                        </p:tgtEl>
-                                        <p:attrNameLst>
-                                          <p:attrName>style.visibility</p:attrName>
-                                        </p:attrNameLst>
-                                      </p:cBhvr>
-                                      <p:to>
-                                        <p:strVal val="visible"/>
-                                      </p:to>
-                                    </p:set>
-                                    <p:animEffect filter="box(in)" transition="out">
-                                      <p:cBhvr additive="repl">
-                                        <p:cTn dur="500" id="43"/>
-                                        <p:tgtEl>
-                                          <p:spTgt spid="50">
-                                            <p:txEl>
-                                              <p:pRg end="32" st="23"/>
-                                            </p:txEl>
-                                          </p:spTgt>
-                                        </p:tgtEl>
-                                      </p:cBhvr>
-                                    </p:animEffect>
-                                  </p:childTnLst>
-                                </p:cTn>
-                              </p:par>
-                              <p:par>
-                                <p:cTn fill="hold" id="44" nodeType="withEffect" presetClass="entr" presetID="4" presetSubtype="16">
-                                  <p:stCondLst>
-                                    <p:cond delay="0"/>
-                                  </p:stCondLst>
-                                  <p:childTnLst>
-                                    <p:set>
-                                      <p:cBhvr>
-                                        <p:cTn dur="1" fill="hold" id="45">
-                                          <p:stCondLst>
-                                            <p:cond delay="0"/>
-                                          </p:stCondLst>
-                                        </p:cTn>
-                                        <p:tgtEl>
-                                          <p:spTgt spid="50">
-                                            <p:txEl>
-                                              <p:pRg end="43" st="32"/>
-                                            </p:txEl>
-                                          </p:spTgt>
-                                        </p:tgtEl>
-                                        <p:attrNameLst>
-                                          <p:attrName>style.visibility</p:attrName>
-                                        </p:attrNameLst>
-                                      </p:cBhvr>
-                                      <p:to>
-                                        <p:strVal val="visible"/>
-                                      </p:to>
-                                    </p:set>
-                                    <p:animEffect filter="box(in)" transition="out">
-                                      <p:cBhvr additive="repl">
-                                        <p:cTn dur="500" id="46"/>
-                                        <p:tgtEl>
-                                          <p:spTgt spid="50">
-                                            <p:txEl>
-                                              <p:pRg end="43" st="32"/>
-                                            </p:txEl>
-                                          </p:spTgt>
-                                        </p:tgtEl>
-                                      </p:cBhvr>
-                                    </p:animEffect>
-                                  </p:childTnLst>
-                                </p:cTn>
-                              </p:par>
-                              <p:par>
-                                <p:cTn fill="hold" id="47" nodeType="withEffect" presetClass="entr" presetID="4" presetSubtype="16">
-                                  <p:stCondLst>
-                                    <p:cond delay="0"/>
-                                  </p:stCondLst>
-                                  <p:childTnLst>
-                                    <p:set>
-                                      <p:cBhvr>
-                                        <p:cTn dur="1" fill="hold" id="48">
-                                          <p:stCondLst>
-                                            <p:cond delay="0"/>
-                                          </p:stCondLst>
-                                        </p:cTn>
-                                        <p:tgtEl>
-                                          <p:spTgt spid="50">
-                                            <p:txEl>
-                                              <p:pRg end="53" st="43"/>
-                                            </p:txEl>
-                                          </p:spTgt>
-                                        </p:tgtEl>
-                                        <p:attrNameLst>
-                                          <p:attrName>style.visibility</p:attrName>
-                                        </p:attrNameLst>
-                                      </p:cBhvr>
-                                      <p:to>
-                                        <p:strVal val="visible"/>
-                                      </p:to>
-                                    </p:set>
-                                    <p:animEffect filter="box(in)" transition="out">
-                                      <p:cBhvr additive="repl">
-                                        <p:cTn dur="500" id="49"/>
-                                        <p:tgtEl>
-                                          <p:spTgt spid="50">
-                                            <p:txEl>
-                                              <p:pRg end="53" st="43"/>
-                                            </p:txEl>
-                                          </p:spTgt>
-                                        </p:tgtEl>
-                                      </p:cBhvr>
-                                    </p:animEffect>
-                                  </p:childTnLst>
-                                </p:cTn>
-                              </p:par>
-                              <p:par>
-                                <p:cTn fill="hold" id="50" nodeType="withEffect" presetClass="entr" presetID="4" presetSubtype="16">
-                                  <p:stCondLst>
-                                    <p:cond delay="0"/>
-                                  </p:stCondLst>
-                                  <p:childTnLst>
-                                    <p:set>
-                                      <p:cBhvr>
-                                        <p:cTn dur="1" fill="hold" id="51">
-                                          <p:stCondLst>
-                                            <p:cond delay="0"/>
-                                          </p:stCondLst>
-                                        </p:cTn>
-                                        <p:tgtEl>
-                                          <p:spTgt spid="50">
-                                            <p:txEl>
-                                              <p:pRg end="62" st="53"/>
-                                            </p:txEl>
-                                          </p:spTgt>
-                                        </p:tgtEl>
-                                        <p:attrNameLst>
-                                          <p:attrName>style.visibility</p:attrName>
-                                        </p:attrNameLst>
-                                      </p:cBhvr>
-                                      <p:to>
-                                        <p:strVal val="visible"/>
-                                      </p:to>
-                                    </p:set>
-                                    <p:animEffect filter="box(in)" transition="out">
-                                      <p:cBhvr additive="repl">
-                                        <p:cTn dur="500" id="52"/>
-                                        <p:tgtEl>
-                                          <p:spTgt spid="50">
-                                            <p:txEl>
-                                              <p:pRg end="62" st="53"/>
+                                              <p:pRg end="63" st="63"/>
                                             </p:txEl>
                                           </p:spTgt>
                                         </p:tgtEl>
@@ -2756,7 +2595,7 @@
         <p:spPr>
           <a:xfrm>
             <a:off x="0" y="0"/>
-            <a:ext cx="10080720" cy="7532640"/>
+            <a:ext cx="10080360" cy="7532280"/>
           </a:xfrm>
           <a:prstGeom prst="rect">
             <a:avLst/>
@@ -2775,7 +2614,7 @@
         <p:spPr>
           <a:xfrm>
             <a:off x="504000" y="1769040"/>
-            <a:ext cx="9071280" cy="4384080"/>
+            <a:ext cx="9070920" cy="4383720"/>
           </a:xfrm>
           <a:prstGeom prst="rect">
             <a:avLst/>
@@ -2795,7 +2634,7 @@
         <p:spPr>
           <a:xfrm>
             <a:off x="1476000" y="4212000"/>
-            <a:ext cx="3240000" cy="1080000"/>
+            <a:ext cx="3239640" cy="1079640"/>
           </a:xfrm>
           <a:prstGeom prst="ellipse">
             <a:avLst/>
@@ -2818,7 +2657,7 @@
         <p:spPr>
           <a:xfrm>
             <a:off x="1332000" y="1656000"/>
-            <a:ext cx="3240000" cy="1476000"/>
+            <a:ext cx="3239640" cy="1475640"/>
           </a:xfrm>
           <a:prstGeom prst="ellipse">
             <a:avLst/>
@@ -2841,7 +2680,7 @@
         <p:spPr>
           <a:xfrm>
             <a:off x="1368000" y="5256000"/>
-            <a:ext cx="3240000" cy="1080000"/>
+            <a:ext cx="3239640" cy="1079640"/>
           </a:xfrm>
           <a:prstGeom prst="ellipse">
             <a:avLst/>
@@ -2864,7 +2703,7 @@
         <p:spPr>
           <a:xfrm>
             <a:off x="5076000" y="2952000"/>
-            <a:ext cx="4248000" cy="1368000"/>
+            <a:ext cx="4247640" cy="1367640"/>
           </a:xfrm>
           <a:prstGeom prst="ellipse">
             <a:avLst/>
@@ -2887,7 +2726,7 @@
         <p:spPr>
           <a:xfrm>
             <a:off x="1440000" y="2952000"/>
-            <a:ext cx="3528000" cy="1404000"/>
+            <a:ext cx="3527640" cy="1403640"/>
           </a:xfrm>
           <a:prstGeom prst="ellipse">
             <a:avLst/>
@@ -2910,7 +2749,7 @@
         <p:spPr>
           <a:xfrm>
             <a:off x="1404000" y="576000"/>
-            <a:ext cx="3528000" cy="1008000"/>
+            <a:ext cx="3527640" cy="1007640"/>
           </a:xfrm>
           <a:prstGeom prst="ellipse">
             <a:avLst/>
@@ -2933,7 +2772,7 @@
         <p:spPr>
           <a:xfrm>
             <a:off x="5334480" y="540000"/>
-            <a:ext cx="4339800" cy="1151640"/>
+            <a:ext cx="4339440" cy="1151280"/>
           </a:xfrm>
           <a:prstGeom prst="ellipse">
             <a:avLst/>
@@ -2956,7 +2795,7 @@
         <p:spPr>
           <a:xfrm>
             <a:off x="4752000" y="4176000"/>
-            <a:ext cx="4752000" cy="1404000"/>
+            <a:ext cx="4751640" cy="1403640"/>
           </a:xfrm>
           <a:prstGeom prst="ellipse">
             <a:avLst/>
@@ -2979,7 +2818,7 @@
         <p:spPr>
           <a:xfrm>
             <a:off x="4824000" y="2988000"/>
-            <a:ext cx="4752000" cy="1296000"/>
+            <a:ext cx="4751640" cy="1295640"/>
           </a:xfrm>
           <a:prstGeom prst="ellipse">
             <a:avLst/>
@@ -3002,7 +2841,7 @@
         <p:spPr>
           <a:xfrm>
             <a:off x="1224000" y="6228000"/>
-            <a:ext cx="3528000" cy="1116000"/>
+            <a:ext cx="3527640" cy="1115640"/>
           </a:xfrm>
           <a:prstGeom prst="ellipse">
             <a:avLst/>
@@ -3025,7 +2864,7 @@
         <p:spPr>
           <a:xfrm>
             <a:off x="5364000" y="1800000"/>
-            <a:ext cx="3528000" cy="1116000"/>
+            <a:ext cx="3527640" cy="1115640"/>
           </a:xfrm>
           <a:prstGeom prst="ellipse">
             <a:avLst/>
@@ -3048,7 +2887,7 @@
         <p:spPr>
           <a:xfrm>
             <a:off x="5364000" y="432000"/>
-            <a:ext cx="4212000" cy="1368000"/>
+            <a:ext cx="4211640" cy="1367640"/>
           </a:xfrm>
           <a:prstGeom prst="ellipse">
             <a:avLst/>
@@ -3071,7 +2910,7 @@
         <p:spPr>
           <a:xfrm>
             <a:off x="1404000" y="540000"/>
-            <a:ext cx="3528000" cy="1116000"/>
+            <a:ext cx="3527640" cy="1115640"/>
           </a:xfrm>
           <a:prstGeom prst="ellipse">
             <a:avLst/>
@@ -3094,7 +2933,7 @@
         <p:spPr>
           <a:xfrm>
             <a:off x="5148000" y="2952000"/>
-            <a:ext cx="4068000" cy="1332000"/>
+            <a:ext cx="4067640" cy="1331640"/>
           </a:xfrm>
           <a:prstGeom prst="ellipse">
             <a:avLst/>
@@ -3117,7 +2956,7 @@
         <p:spPr>
           <a:xfrm>
             <a:off x="864000" y="1620000"/>
-            <a:ext cx="4068000" cy="1512000"/>
+            <a:ext cx="4067640" cy="1511640"/>
           </a:xfrm>
           <a:prstGeom prst="ellipse">
             <a:avLst/>
@@ -3140,7 +2979,7 @@
         <p:spPr>
           <a:xfrm>
             <a:off x="5148000" y="4176000"/>
-            <a:ext cx="4356000" cy="1512000"/>
+            <a:ext cx="4355640" cy="1511640"/>
           </a:xfrm>
           <a:prstGeom prst="ellipse">
             <a:avLst/>
@@ -3163,7 +3002,7 @@
         <p:spPr>
           <a:xfrm>
             <a:off x="1260000" y="2988000"/>
-            <a:ext cx="4068000" cy="1332000"/>
+            <a:ext cx="4067640" cy="1331640"/>
           </a:xfrm>
           <a:prstGeom prst="ellipse">
             <a:avLst/>
@@ -3182,32 +3021,32 @@
   <p:timing>
     <p:tnLst>
       <p:par>
-        <p:cTn dur="indefinite" id="53" nodeType="tmRoot" restart="never">
+        <p:cTn dur="indefinite" id="38" nodeType="tmRoot" restart="never">
           <p:childTnLst>
             <p:seq>
-              <p:cTn id="54" nodeType="mainSeq">
+              <p:cTn id="39" nodeType="mainSeq">
                 <p:childTnLst>
                   <p:par>
-                    <p:cTn fill="freeze" id="55">
+                    <p:cTn fill="freeze" id="40">
                       <p:stCondLst>
                         <p:cond delay="indefinite"/>
                       </p:stCondLst>
                       <p:childTnLst>
                         <p:par>
-                          <p:cTn fill="freeze" id="56">
+                          <p:cTn fill="freeze" id="41">
                             <p:stCondLst>
                               <p:cond delay="0"/>
                             </p:stCondLst>
                             <p:childTnLst>
                               <p:par>
-                                <p:cTn fill="hold" id="57" nodeType="clickEffect" presetClass="entr" presetID="18" presetSubtype="12">
+                                <p:cTn fill="hold" id="42" nodeType="clickEffect" presetClass="entr" presetID="18" presetSubtype="12">
                                   <p:stCondLst>
                                     <p:cond delay="0"/>
                                   </p:stCondLst>
                                   <p:childTnLst>
                                     <p:set>
                                       <p:cBhvr>
-                                        <p:cTn dur="1" fill="hold" id="58">
+                                        <p:cTn dur="1" fill="hold" id="43">
                                           <p:stCondLst>
                                             <p:cond delay="0"/>
                                           </p:stCondLst>
@@ -3225,7 +3064,7 @@
                                     </p:set>
                                     <p:animEffect filter="strips(downLeft)" transition="in">
                                       <p:cBhvr additive="repl">
-                                        <p:cTn dur="500" id="59"/>
+                                        <p:cTn dur="500" id="44"/>
                                         <p:tgtEl>
                                           <p:spTgt spid="54"/>
                                         </p:tgtEl>
@@ -3235,14 +3074,14 @@
                                 </p:cTn>
                               </p:par>
                               <p:par>
-                                <p:cTn fill="hold" id="60" nodeType="withEffect" presetClass="entr" presetID="9">
+                                <p:cTn fill="hold" id="45" nodeType="withEffect" presetClass="entr" presetID="9">
                                   <p:stCondLst>
                                     <p:cond delay="0"/>
                                   </p:stCondLst>
                                   <p:childTnLst>
                                     <p:set>
                                       <p:cBhvr>
-                                        <p:cTn dur="1" fill="hold" id="61">
+                                        <p:cTn dur="1" fill="hold" id="46">
                                           <p:stCondLst>
                                             <p:cond delay="0"/>
                                           </p:stCondLst>
@@ -3260,7 +3099,7 @@
                                     </p:set>
                                     <p:animEffect filter="dissolve" transition="in">
                                       <p:cBhvr additive="repl">
-                                        <p:cTn dur="500" id="62"/>
+                                        <p:cTn dur="500" id="47"/>
                                         <p:tgtEl>
                                           <p:spTgt spid="53"/>
                                         </p:tgtEl>
@@ -3270,14 +3109,14 @@
                                 </p:cTn>
                               </p:par>
                               <p:par>
-                                <p:cTn fill="hold" id="63" nodeType="withEffect" presetClass="entr" presetID="16" presetSubtype="26">
+                                <p:cTn fill="hold" id="48" nodeType="withEffect" presetClass="entr" presetID="16" presetSubtype="26">
                                   <p:stCondLst>
                                     <p:cond delay="0"/>
                                   </p:stCondLst>
                                   <p:childTnLst>
                                     <p:set>
                                       <p:cBhvr>
-                                        <p:cTn dur="1" fill="hold" id="64">
+                                        <p:cTn dur="1" fill="hold" id="49">
                                           <p:stCondLst>
                                             <p:cond delay="0"/>
                                           </p:stCondLst>
@@ -3295,7 +3134,7 @@
                                     </p:set>
                                     <p:animEffect filter="barn(inHorizontal)" transition="out">
                                       <p:cBhvr additive="repl">
-                                        <p:cTn dur="500" id="65"/>
+                                        <p:cTn dur="500" id="50"/>
                                         <p:tgtEl>
                                           <p:spTgt spid="55"/>
                                         </p:tgtEl>
@@ -3305,14 +3144,14 @@
                                 </p:cTn>
                               </p:par>
                               <p:par>
-                                <p:cTn fill="hold" id="66" nodeType="withEffect" presetClass="entr" presetID="20">
+                                <p:cTn fill="hold" id="51" nodeType="withEffect" presetClass="entr" presetID="20">
                                   <p:stCondLst>
                                     <p:cond delay="0"/>
                                   </p:stCondLst>
                                   <p:childTnLst>
                                     <p:set>
                                       <p:cBhvr>
-                                        <p:cTn dur="0" fill="hold" id="67">
+                                        <p:cTn fill="hold" id="52">
                                           <p:stCondLst>
                                             <p:cond delay="0"/>
                                           </p:stCondLst>
@@ -3330,7 +3169,7 @@
                                     </p:set>
                                     <p:animEffect filter="wedge" transition="in">
                                       <p:cBhvr additive="repl">
-                                        <p:cTn dur="500" id="68"/>
+                                        <p:cTn dur="500" id="53"/>
                                         <p:tgtEl>
                                           <p:spTgt spid="56"/>
                                         </p:tgtEl>
@@ -3346,26 +3185,26 @@
                     </p:cTn>
                   </p:par>
                   <p:par>
-                    <p:cTn fill="freeze" id="69">
+                    <p:cTn fill="freeze" id="54">
                       <p:stCondLst>
                         <p:cond delay="indefinite"/>
                       </p:stCondLst>
                       <p:childTnLst>
                         <p:par>
-                          <p:cTn fill="freeze" id="70">
+                          <p:cTn fill="freeze" id="55">
                             <p:stCondLst>
                               <p:cond delay="0"/>
                             </p:stCondLst>
                             <p:childTnLst>
                               <p:par>
-                                <p:cTn fill="hold" id="71" nodeType="clickEffect" presetClass="exit" presetID="1">
+                                <p:cTn fill="hold" id="56" nodeType="clickEffect" presetClass="exit" presetID="1">
                                   <p:stCondLst>
                                     <p:cond delay="0"/>
                                   </p:stCondLst>
                                   <p:childTnLst>
                                     <p:set>
                                       <p:cBhvr>
-                                        <p:cTn dur="1" fill="hold" id="72">
+                                        <p:cTn dur="1" fill="hold" id="57">
                                           <p:stCondLst>
                                             <p:cond delay="0"/>
                                           </p:stCondLst>
@@ -3385,14 +3224,14 @@
                                 </p:cTn>
                               </p:par>
                               <p:par>
-                                <p:cTn fill="hold" id="73" nodeType="withEffect" presetClass="exit" presetID="2" presetSubtype="4">
+                                <p:cTn fill="hold" id="58" nodeType="withEffect" presetClass="exit" presetID="2" presetSubtype="4">
                                   <p:stCondLst>
                                     <p:cond delay="0"/>
                                   </p:stCondLst>
                                   <p:childTnLst>
                                     <p:anim calcmode="lin" valueType="num">
                                       <p:cBhvr additive="repl">
-                                        <p:cTn dur="500" id="74"/>
+                                        <p:cTn dur="500" id="59"/>
                                         <p:tgtEl>
                                           <p:spTgt spid="56"/>
                                         </p:tgtEl>
@@ -3415,7 +3254,7 @@
                                     </p:anim>
                                     <p:anim calcmode="lin" valueType="num">
                                       <p:cBhvr additive="repl">
-                                        <p:cTn dur="500" id="75"/>
+                                        <p:cTn dur="500" id="60"/>
                                         <p:tgtEl>
                                           <p:spTgt spid="56"/>
                                         </p:tgtEl>
@@ -3438,7 +3277,7 @@
                                     </p:anim>
                                     <p:set>
                                       <p:cBhvr>
-                                        <p:cTn dur="1" fill="hold" id="76">
+                                        <p:cTn dur="1" fill="hold" id="61">
                                           <p:stCondLst>
                                             <p:cond delay="499"/>
                                           </p:stCondLst>
@@ -3458,14 +3297,14 @@
                                 </p:cTn>
                               </p:par>
                               <p:par>
-                                <p:cTn fill="hold" id="77" nodeType="withEffect" presetClass="exit" presetID="2" presetSubtype="4">
+                                <p:cTn fill="hold" id="62" nodeType="withEffect" presetClass="exit" presetID="2" presetSubtype="4">
                                   <p:stCondLst>
                                     <p:cond delay="0"/>
                                   </p:stCondLst>
                                   <p:childTnLst>
                                     <p:anim calcmode="lin" valueType="num">
                                       <p:cBhvr additive="repl">
-                                        <p:cTn dur="500" id="78"/>
+                                        <p:cTn dur="500" id="63"/>
                                         <p:tgtEl>
                                           <p:spTgt spid="53"/>
                                         </p:tgtEl>
@@ -3488,7 +3327,7 @@
                                     </p:anim>
                                     <p:anim calcmode="lin" valueType="num">
                                       <p:cBhvr additive="repl">
-                                        <p:cTn dur="500" id="79"/>
+                                        <p:cTn dur="500" id="64"/>
                                         <p:tgtEl>
                                           <p:spTgt spid="53"/>
                                         </p:tgtEl>
@@ -3511,7 +3350,7 @@
                                     </p:anim>
                                     <p:set>
                                       <p:cBhvr>
-                                        <p:cTn dur="1" fill="hold" id="80">
+                                        <p:cTn dur="1" fill="hold" id="65">
                                           <p:stCondLst>
                                             <p:cond delay="499"/>
                                           </p:stCondLst>
@@ -3531,14 +3370,14 @@
                                 </p:cTn>
                               </p:par>
                               <p:par>
-                                <p:cTn fill="hold" id="81" nodeType="withEffect" presetClass="exit" presetID="8" presetSubtype="16">
+                                <p:cTn fill="hold" id="66" nodeType="withEffect" presetClass="exit" presetID="8" presetSubtype="16">
                                   <p:stCondLst>
                                     <p:cond delay="0"/>
                                   </p:stCondLst>
                                   <p:childTnLst>
                                     <p:animEffect filter="diamond(in)" transition="out">
                                       <p:cBhvr additive="repl">
-                                        <p:cTn dur="2000" id="82"/>
+                                        <p:cTn dur="2000" id="67"/>
                                         <p:tgtEl>
                                           <p:spTgt spid="55"/>
                                         </p:tgtEl>
@@ -3546,7 +3385,7 @@
                                     </p:animEffect>
                                     <p:set>
                                       <p:cBhvr>
-                                        <p:cTn dur="1" fill="hold" id="83">
+                                        <p:cTn dur="1" fill="hold" id="68">
                                           <p:stCondLst>
                                             <p:cond delay="1999"/>
                                           </p:stCondLst>
@@ -3569,20 +3408,20 @@
                           </p:cTn>
                         </p:par>
                         <p:par>
-                          <p:cTn fill="freeze" id="84">
+                          <p:cTn fill="freeze" id="69">
                             <p:stCondLst>
                               <p:cond delay="2000"/>
                             </p:stCondLst>
                             <p:childTnLst>
                               <p:par>
-                                <p:cTn fill="hold" id="85" nodeType="afterEffect" presetClass="entr" presetID="1">
+                                <p:cTn fill="hold" id="70" nodeType="afterEffect" presetClass="entr" presetID="1">
                                   <p:stCondLst>
                                     <p:cond delay="0"/>
                                   </p:stCondLst>
                                   <p:childTnLst>
                                     <p:set>
                                       <p:cBhvr>
-                                        <p:cTn dur="1" fill="hold" id="86">
+                                        <p:cTn dur="1" fill="hold" id="71">
                                           <p:stCondLst>
                                             <p:cond delay="0"/>
                                           </p:stCondLst>
@@ -3602,14 +3441,14 @@
                                 </p:cTn>
                               </p:par>
                               <p:par>
-                                <p:cTn fill="hold" id="87" nodeType="withEffect" presetClass="entr" presetID="1">
+                                <p:cTn fill="hold" id="72" nodeType="withEffect" presetClass="entr" presetID="1">
                                   <p:stCondLst>
                                     <p:cond delay="0"/>
                                   </p:stCondLst>
                                   <p:childTnLst>
                                     <p:set>
                                       <p:cBhvr>
-                                        <p:cTn dur="1" fill="hold" id="88">
+                                        <p:cTn dur="1" fill="hold" id="73">
                                           <p:stCondLst>
                                             <p:cond delay="0"/>
                                           </p:stCondLst>
@@ -3629,14 +3468,14 @@
                                 </p:cTn>
                               </p:par>
                               <p:par>
-                                <p:cTn fill="hold" id="89" nodeType="withEffect" presetClass="entr" presetID="6" presetSubtype="16">
+                                <p:cTn fill="hold" id="74" nodeType="withEffect" presetClass="entr" presetID="6" presetSubtype="16">
                                   <p:stCondLst>
                                     <p:cond delay="0"/>
                                   </p:stCondLst>
                                   <p:childTnLst>
                                     <p:set>
                                       <p:cBhvr>
-                                        <p:cTn dur="0" fill="hold" id="90">
+                                        <p:cTn fill="hold" id="75">
                                           <p:stCondLst>
                                             <p:cond delay="0"/>
                                           </p:stCondLst>
@@ -3654,7 +3493,7 @@
                                     </p:set>
                                     <p:animEffect filter="circle(in)" transition="out">
                                       <p:cBhvr additive="repl">
-                                        <p:cTn dur="500" id="91"/>
+                                        <p:cTn dur="500" id="76"/>
                                         <p:tgtEl>
                                           <p:spTgt spid="57"/>
                                         </p:tgtEl>
@@ -3664,14 +3503,14 @@
                                 </p:cTn>
                               </p:par>
                               <p:par>
-                                <p:cTn fill="hold" id="92" nodeType="withEffect" presetClass="entr" presetID="1">
+                                <p:cTn fill="hold" id="77" nodeType="withEffect" presetClass="entr" presetID="1">
                                   <p:stCondLst>
                                     <p:cond delay="0"/>
                                   </p:stCondLst>
                                   <p:childTnLst>
                                     <p:set>
                                       <p:cBhvr>
-                                        <p:cTn dur="1" fill="hold" id="93">
+                                        <p:cTn dur="1" fill="hold" id="78">
                                           <p:stCondLst>
                                             <p:cond delay="0"/>
                                           </p:stCondLst>
@@ -3691,14 +3530,14 @@
                                 </p:cTn>
                               </p:par>
                               <p:par>
-                                <p:cTn fill="hold" id="94" nodeType="withEffect" presetClass="entr" presetID="1">
+                                <p:cTn fill="hold" id="79" nodeType="withEffect" presetClass="entr" presetID="1">
                                   <p:stCondLst>
                                     <p:cond delay="0"/>
                                   </p:stCondLst>
                                   <p:childTnLst>
                                     <p:set>
                                       <p:cBhvr>
-                                        <p:cTn dur="1" fill="hold" id="95">
+                                        <p:cTn dur="1" fill="hold" id="80">
                                           <p:stCondLst>
                                             <p:cond delay="0"/>
                                           </p:stCondLst>
@@ -3724,26 +3563,26 @@
                     </p:cTn>
                   </p:par>
                   <p:par>
-                    <p:cTn fill="freeze" id="96">
+                    <p:cTn fill="freeze" id="81">
                       <p:stCondLst>
                         <p:cond delay="indefinite"/>
                       </p:stCondLst>
                       <p:childTnLst>
                         <p:par>
-                          <p:cTn fill="freeze" id="97">
+                          <p:cTn fill="freeze" id="82">
                             <p:stCondLst>
                               <p:cond delay="0"/>
                             </p:stCondLst>
                             <p:childTnLst>
                               <p:par>
-                                <p:cTn fill="hold" id="98" nodeType="clickEffect" presetClass="exit" presetID="12" presetSubtype="4">
+                                <p:cTn fill="hold" id="83" nodeType="clickEffect" presetClass="exit" presetID="12" presetSubtype="4">
                                   <p:stCondLst>
                                     <p:cond delay="0"/>
                                   </p:stCondLst>
                                   <p:childTnLst>
                                     <p:animEffect filter="slide(fromBottom)" transition="in">
                                       <p:cBhvr additive="repl">
-                                        <p:cTn dur="500" id="99"/>
+                                        <p:cTn dur="500" id="84"/>
                                         <p:tgtEl>
                                           <p:spTgt spid="57"/>
                                         </p:tgtEl>
@@ -3751,7 +3590,7 @@
                                     </p:animEffect>
                                     <p:set>
                                       <p:cBhvr>
-                                        <p:cTn dur="1" fill="hold" id="100">
+                                        <p:cTn dur="1" fill="hold" id="85">
                                           <p:stCondLst>
                                             <p:cond delay="499"/>
                                           </p:stCondLst>
@@ -3771,14 +3610,14 @@
                                 </p:cTn>
                               </p:par>
                               <p:par>
-                                <p:cTn fill="hold" id="101" nodeType="withEffect" presetClass="exit" presetID="12" presetSubtype="4">
+                                <p:cTn fill="hold" id="86" nodeType="withEffect" presetClass="exit" presetID="12" presetSubtype="4">
                                   <p:stCondLst>
                                     <p:cond delay="0"/>
                                   </p:stCondLst>
                                   <p:childTnLst>
                                     <p:animEffect filter="slide(fromBottom)" transition="in">
                                       <p:cBhvr additive="repl">
-                                        <p:cTn dur="500" id="102"/>
+                                        <p:cTn dur="500" id="87"/>
                                         <p:tgtEl>
                                           <p:spTgt spid="58"/>
                                         </p:tgtEl>
@@ -3786,7 +3625,7 @@
                                     </p:animEffect>
                                     <p:set>
                                       <p:cBhvr>
-                                        <p:cTn dur="1" fill="hold" id="103">
+                                        <p:cTn dur="1" fill="hold" id="88">
                                           <p:stCondLst>
                                             <p:cond delay="499"/>
                                           </p:stCondLst>
@@ -3806,14 +3645,14 @@
                                 </p:cTn>
                               </p:par>
                               <p:par>
-                                <p:cTn fill="hold" id="104" nodeType="withEffect" presetClass="exit" presetID="12" presetSubtype="4">
+                                <p:cTn fill="hold" id="89" nodeType="withEffect" presetClass="exit" presetID="12" presetSubtype="4">
                                   <p:stCondLst>
                                     <p:cond delay="0"/>
                                   </p:stCondLst>
                                   <p:childTnLst>
                                     <p:animEffect filter="slide(fromBottom)" transition="in">
                                       <p:cBhvr additive="repl">
-                                        <p:cTn dur="500" id="105"/>
+                                        <p:cTn dur="500" id="90"/>
                                         <p:tgtEl>
                                           <p:spTgt spid="59"/>
                                         </p:tgtEl>
@@ -3821,7 +3660,7 @@
                                     </p:animEffect>
                                     <p:set>
                                       <p:cBhvr>
-                                        <p:cTn dur="1" fill="hold" id="106">
+                                        <p:cTn dur="1" fill="hold" id="91">
                                           <p:stCondLst>
                                             <p:cond delay="499"/>
                                           </p:stCondLst>
@@ -3841,14 +3680,14 @@
                                 </p:cTn>
                               </p:par>
                               <p:par>
-                                <p:cTn fill="hold" id="107" nodeType="withEffect" presetClass="exit" presetID="12" presetSubtype="4">
+                                <p:cTn fill="hold" id="92" nodeType="withEffect" presetClass="exit" presetID="12" presetSubtype="4">
                                   <p:stCondLst>
                                     <p:cond delay="0"/>
                                   </p:stCondLst>
                                   <p:childTnLst>
                                     <p:animEffect filter="slide(fromBottom)" transition="in">
                                       <p:cBhvr additive="repl">
-                                        <p:cTn dur="500" id="108"/>
+                                        <p:cTn dur="500" id="93"/>
                                         <p:tgtEl>
                                           <p:spTgt spid="60"/>
                                         </p:tgtEl>
@@ -3856,7 +3695,7 @@
                                     </p:animEffect>
                                     <p:set>
                                       <p:cBhvr>
-                                        <p:cTn dur="1" fill="hold" id="109">
+                                        <p:cTn dur="1" fill="hold" id="94">
                                           <p:stCondLst>
                                             <p:cond delay="499"/>
                                           </p:stCondLst>
@@ -3876,14 +3715,14 @@
                                 </p:cTn>
                               </p:par>
                               <p:par>
-                                <p:cTn fill="hold" id="110" nodeType="withEffect" presetClass="exit" presetID="12" presetSubtype="4">
+                                <p:cTn fill="hold" id="95" nodeType="withEffect" presetClass="exit" presetID="12" presetSubtype="4">
                                   <p:stCondLst>
                                     <p:cond delay="0"/>
                                   </p:stCondLst>
                                   <p:childTnLst>
                                     <p:animEffect filter="slide(fromBottom)" transition="in">
                                       <p:cBhvr additive="repl">
-                                        <p:cTn dur="500" id="111"/>
+                                        <p:cTn dur="500" id="96"/>
                                         <p:tgtEl>
                                           <p:spTgt spid="61"/>
                                         </p:tgtEl>
@@ -3891,7 +3730,7 @@
                                     </p:animEffect>
                                     <p:set>
                                       <p:cBhvr>
-                                        <p:cTn dur="1" fill="hold" id="112">
+                                        <p:cTn dur="1" fill="hold" id="97">
                                           <p:stCondLst>
                                             <p:cond delay="499"/>
                                           </p:stCondLst>
@@ -3911,14 +3750,14 @@
                                 </p:cTn>
                               </p:par>
                               <p:par>
-                                <p:cTn fill="hold" id="113" nodeType="withEffect" presetClass="entr" presetID="2" presetSubtype="4">
+                                <p:cTn fill="hold" id="98" nodeType="withEffect" presetClass="entr" presetID="2" presetSubtype="4">
                                   <p:stCondLst>
                                     <p:cond delay="0"/>
                                   </p:stCondLst>
                                   <p:childTnLst>
                                     <p:set>
                                       <p:cBhvr>
-                                        <p:cTn dur="1" fill="hold" id="114">
+                                        <p:cTn dur="1" fill="hold" id="99">
                                           <p:stCondLst>
                                             <p:cond delay="0"/>
                                           </p:stCondLst>
@@ -3936,7 +3775,7 @@
                                     </p:set>
                                     <p:anim calcmode="lin" valueType="num">
                                       <p:cBhvr additive="repl">
-                                        <p:cTn dur="500" fill="hold" id="115"/>
+                                        <p:cTn dur="500" fill="hold" id="100"/>
                                         <p:tgtEl>
                                           <p:spTgt spid="63"/>
                                         </p:tgtEl>
@@ -3959,7 +3798,7 @@
                                     </p:anim>
                                     <p:anim calcmode="lin" valueType="num">
                                       <p:cBhvr additive="repl">
-                                        <p:cTn dur="500" fill="hold" id="116"/>
+                                        <p:cTn dur="500" fill="hold" id="101"/>
                                         <p:tgtEl>
                                           <p:spTgt spid="63"/>
                                         </p:tgtEl>
@@ -3984,14 +3823,14 @@
                                 </p:cTn>
                               </p:par>
                               <p:par>
-                                <p:cTn fill="hold" id="117" nodeType="withEffect" presetClass="entr" presetID="2" presetSubtype="4">
+                                <p:cTn fill="hold" id="102" nodeType="withEffect" presetClass="entr" presetID="2" presetSubtype="4">
                                   <p:stCondLst>
                                     <p:cond delay="0"/>
                                   </p:stCondLst>
                                   <p:childTnLst>
                                     <p:set>
                                       <p:cBhvr>
-                                        <p:cTn dur="1" fill="hold" id="118">
+                                        <p:cTn dur="1" fill="hold" id="103">
                                           <p:stCondLst>
                                             <p:cond delay="0"/>
                                           </p:stCondLst>
@@ -4009,7 +3848,7 @@
                                     </p:set>
                                     <p:anim calcmode="lin" valueType="num">
                                       <p:cBhvr additive="repl">
-                                        <p:cTn dur="500" fill="hold" id="119"/>
+                                        <p:cTn dur="500" fill="hold" id="104"/>
                                         <p:tgtEl>
                                           <p:spTgt spid="62"/>
                                         </p:tgtEl>
@@ -4032,7 +3871,7 @@
                                     </p:anim>
                                     <p:anim calcmode="lin" valueType="num">
                                       <p:cBhvr additive="repl">
-                                        <p:cTn dur="500" fill="hold" id="120"/>
+                                        <p:cTn dur="500" fill="hold" id="105"/>
                                         <p:tgtEl>
                                           <p:spTgt spid="62"/>
                                         </p:tgtEl>
@@ -4057,14 +3896,14 @@
                                 </p:cTn>
                               </p:par>
                               <p:par>
-                                <p:cTn fill="hold" id="121" nodeType="withEffect" presetClass="entr" presetID="18" presetSubtype="12">
+                                <p:cTn fill="hold" id="106" nodeType="withEffect" presetClass="entr" presetID="18" presetSubtype="12">
                                   <p:stCondLst>
                                     <p:cond delay="0"/>
                                   </p:stCondLst>
                                   <p:childTnLst>
                                     <p:set>
                                       <p:cBhvr>
-                                        <p:cTn dur="1" fill="hold" id="122">
+                                        <p:cTn dur="1" fill="hold" id="107">
                                           <p:stCondLst>
                                             <p:cond delay="0"/>
                                           </p:stCondLst>
@@ -4082,7 +3921,7 @@
                                     </p:set>
                                     <p:animEffect filter="strips(downLeft)" transition="in">
                                       <p:cBhvr additive="repl">
-                                        <p:cTn dur="500" id="123"/>
+                                        <p:cTn dur="500" id="108"/>
                                         <p:tgtEl>
                                           <p:spTgt spid="64"/>
                                         </p:tgtEl>
@@ -4092,14 +3931,14 @@
                                 </p:cTn>
                               </p:par>
                               <p:par>
-                                <p:cTn fill="hold" id="124" nodeType="withEffect" presetClass="entr" presetID="8" presetSubtype="16">
+                                <p:cTn fill="hold" id="109" nodeType="withEffect" presetClass="entr" presetID="8" presetSubtype="16">
                                   <p:stCondLst>
                                     <p:cond delay="0"/>
                                   </p:stCondLst>
                                   <p:childTnLst>
                                     <p:set>
                                       <p:cBhvr>
-                                        <p:cTn dur="1" fill="hold" id="125">
+                                        <p:cTn dur="1" fill="hold" id="110">
                                           <p:stCondLst>
                                             <p:cond delay="0"/>
                                           </p:stCondLst>
@@ -4117,7 +3956,7 @@
                                     </p:set>
                                     <p:animEffect filter="diamond(in)" transition="out">
                                       <p:cBhvr additive="repl">
-                                        <p:cTn dur="2000" id="126"/>
+                                        <p:cTn dur="2000" id="111"/>
                                         <p:tgtEl>
                                           <p:spTgt spid="65"/>
                                         </p:tgtEl>
@@ -4133,26 +3972,26 @@
                     </p:cTn>
                   </p:par>
                   <p:par>
-                    <p:cTn fill="freeze" id="127">
+                    <p:cTn fill="freeze" id="112">
                       <p:stCondLst>
                         <p:cond delay="indefinite"/>
                       </p:stCondLst>
                       <p:childTnLst>
                         <p:par>
-                          <p:cTn fill="freeze" id="128">
+                          <p:cTn fill="freeze" id="113">
                             <p:stCondLst>
                               <p:cond delay="0"/>
                             </p:stCondLst>
                             <p:childTnLst>
                               <p:par>
-                                <p:cTn fill="hold" id="129" nodeType="clickEffect" presetClass="exit" presetID="13" presetSubtype="16">
+                                <p:cTn fill="hold" id="114" nodeType="clickEffect" presetClass="exit" presetID="13" presetSubtype="16">
                                   <p:stCondLst>
                                     <p:cond delay="0"/>
                                   </p:stCondLst>
                                   <p:childTnLst>
                                     <p:animEffect filter="plus(in)" transition="in">
                                       <p:cBhvr additive="repl">
-                                        <p:cTn dur="500" id="130"/>
+                                        <p:cTn dur="500" id="115"/>
                                         <p:tgtEl>
                                           <p:spTgt spid="62"/>
                                         </p:tgtEl>
@@ -4160,7 +3999,7 @@
                                     </p:animEffect>
                                     <p:set>
                                       <p:cBhvr>
-                                        <p:cTn dur="0" fill="hold" id="131">
+                                        <p:cTn fill="hold" id="116">
                                           <p:stCondLst>
                                             <p:cond delay="499"/>
                                           </p:stCondLst>
@@ -4180,14 +4019,14 @@
                                 </p:cTn>
                               </p:par>
                               <p:par>
-                                <p:cTn fill="hold" id="132" nodeType="withEffect" presetClass="exit" presetID="13" presetSubtype="16">
+                                <p:cTn fill="hold" id="117" nodeType="withEffect" presetClass="exit" presetID="13" presetSubtype="16">
                                   <p:stCondLst>
                                     <p:cond delay="0"/>
                                   </p:stCondLst>
                                   <p:childTnLst>
                                     <p:animEffect filter="plus(in)" transition="in">
                                       <p:cBhvr additive="repl">
-                                        <p:cTn dur="500" id="133"/>
+                                        <p:cTn dur="500" id="118"/>
                                         <p:tgtEl>
                                           <p:spTgt spid="63"/>
                                         </p:tgtEl>
@@ -4195,7 +4034,7 @@
                                     </p:animEffect>
                                     <p:set>
                                       <p:cBhvr>
-                                        <p:cTn dur="0" fill="hold" id="134">
+                                        <p:cTn fill="hold" id="119">
                                           <p:stCondLst>
                                             <p:cond delay="499"/>
                                           </p:stCondLst>
@@ -4215,14 +4054,14 @@
                                 </p:cTn>
                               </p:par>
                               <p:par>
-                                <p:cTn fill="hold" id="135" nodeType="withEffect" presetClass="exit" presetID="13" presetSubtype="16">
+                                <p:cTn fill="hold" id="120" nodeType="withEffect" presetClass="exit" presetID="13" presetSubtype="16">
                                   <p:stCondLst>
                                     <p:cond delay="0"/>
                                   </p:stCondLst>
                                   <p:childTnLst>
                                     <p:animEffect filter="plus(in)" transition="in">
                                       <p:cBhvr additive="repl">
-                                        <p:cTn dur="500" id="136"/>
+                                        <p:cTn dur="500" id="121"/>
                                         <p:tgtEl>
                                           <p:spTgt spid="64"/>
                                         </p:tgtEl>
@@ -4230,7 +4069,7 @@
                                     </p:animEffect>
                                     <p:set>
                                       <p:cBhvr>
-                                        <p:cTn dur="0" fill="hold" id="137">
+                                        <p:cTn fill="hold" id="122">
                                           <p:stCondLst>
                                             <p:cond delay="499"/>
                                           </p:stCondLst>
@@ -4250,14 +4089,14 @@
                                 </p:cTn>
                               </p:par>
                               <p:par>
-                                <p:cTn fill="hold" id="138" nodeType="withEffect" presetClass="exit" presetID="13" presetSubtype="16">
+                                <p:cTn fill="hold" id="123" nodeType="withEffect" presetClass="exit" presetID="13" presetSubtype="16">
                                   <p:stCondLst>
                                     <p:cond delay="0"/>
                                   </p:stCondLst>
                                   <p:childTnLst>
                                     <p:animEffect filter="plus(in)" transition="in">
                                       <p:cBhvr additive="repl">
-                                        <p:cTn dur="500" id="139"/>
+                                        <p:cTn dur="500" id="124"/>
                                         <p:tgtEl>
                                           <p:spTgt spid="65"/>
                                         </p:tgtEl>
@@ -4265,7 +4104,7 @@
                                     </p:animEffect>
                                     <p:set>
                                       <p:cBhvr>
-                                        <p:cTn dur="0" fill="hold" id="140">
+                                        <p:cTn fill="hold" id="125">
                                           <p:stCondLst>
                                             <p:cond delay="499"/>
                                           </p:stCondLst>
@@ -4291,26 +4130,26 @@
                     </p:cTn>
                   </p:par>
                   <p:par>
-                    <p:cTn fill="freeze" id="141">
+                    <p:cTn fill="freeze" id="126">
                       <p:stCondLst>
                         <p:cond delay="indefinite"/>
                       </p:stCondLst>
                       <p:childTnLst>
                         <p:par>
-                          <p:cTn fill="freeze" id="142">
+                          <p:cTn fill="freeze" id="127">
                             <p:stCondLst>
                               <p:cond delay="0"/>
                             </p:stCondLst>
                             <p:childTnLst>
                               <p:par>
-                                <p:cTn fill="hold" id="143" nodeType="clickEffect" presetClass="entr" presetID="3" presetSubtype="10">
+                                <p:cTn fill="hold" id="128" nodeType="clickEffect" presetClass="entr" presetID="3" presetSubtype="10">
                                   <p:stCondLst>
                                     <p:cond delay="0"/>
                                   </p:stCondLst>
                                   <p:childTnLst>
                                     <p:set>
                                       <p:cBhvr>
-                                        <p:cTn dur="1" fill="hold" id="144">
+                                        <p:cTn dur="1" fill="hold" id="129">
                                           <p:stCondLst>
                                             <p:cond delay="0"/>
                                           </p:stCondLst>
@@ -4328,7 +4167,7 @@
                                     </p:set>
                                     <p:animEffect filter="blinds(horizontal)" transition="in">
                                       <p:cBhvr additive="repl">
-                                        <p:cTn dur="500" id="145"/>
+                                        <p:cTn dur="500" id="130"/>
                                         <p:tgtEl>
                                           <p:spTgt spid="66"/>
                                         </p:tgtEl>
@@ -4338,14 +4177,14 @@
                                 </p:cTn>
                               </p:par>
                               <p:par>
-                                <p:cTn fill="hold" id="146" nodeType="withEffect" presetClass="entr" presetID="14" presetSubtype="10">
+                                <p:cTn fill="hold" id="131" nodeType="withEffect" presetClass="entr" presetID="14" presetSubtype="10">
                                   <p:stCondLst>
                                     <p:cond delay="0"/>
                                   </p:stCondLst>
                                   <p:childTnLst>
                                     <p:set>
                                       <p:cBhvr>
-                                        <p:cTn dur="1" fill="hold" id="147">
+                                        <p:cTn dur="1" fill="hold" id="132">
                                           <p:stCondLst>
                                             <p:cond delay="0"/>
                                           </p:stCondLst>
@@ -4363,7 +4202,7 @@
                                     </p:set>
                                     <p:animEffect filter="randombar(horizontal)" transition="in">
                                       <p:cBhvr additive="repl">
-                                        <p:cTn dur="500" id="148"/>
+                                        <p:cTn dur="500" id="133"/>
                                         <p:tgtEl>
                                           <p:spTgt spid="67"/>
                                         </p:tgtEl>
@@ -4373,14 +4212,14 @@
                                 </p:cTn>
                               </p:par>
                               <p:par>
-                                <p:cTn fill="hold" id="149" nodeType="withEffect" presetClass="entr" presetID="13" presetSubtype="16">
+                                <p:cTn fill="hold" id="134" nodeType="withEffect" presetClass="entr" presetID="13" presetSubtype="16">
                                   <p:stCondLst>
                                     <p:cond delay="0"/>
                                   </p:stCondLst>
                                   <p:childTnLst>
                                     <p:set>
                                       <p:cBhvr>
-                                        <p:cTn dur="0" fill="hold" id="150">
+                                        <p:cTn fill="hold" id="135">
                                           <p:stCondLst>
                                             <p:cond delay="0"/>
                                           </p:stCondLst>
@@ -4398,7 +4237,7 @@
                                     </p:set>
                                     <p:animEffect filter="plus(in)" transition="in">
                                       <p:cBhvr additive="repl">
-                                        <p:cTn dur="500" id="151"/>
+                                        <p:cTn dur="500" id="136"/>
                                         <p:tgtEl>
                                           <p:spTgt spid="67"/>
                                         </p:tgtEl>
@@ -4408,14 +4247,14 @@
                                 </p:cTn>
                               </p:par>
                               <p:par>
-                                <p:cTn fill="hold" id="152" nodeType="withEffect" presetClass="entr" presetID="8" presetSubtype="16">
+                                <p:cTn fill="hold" id="137" nodeType="withEffect" presetClass="entr" presetID="8" presetSubtype="16">
                                   <p:stCondLst>
                                     <p:cond delay="0"/>
                                   </p:stCondLst>
                                   <p:childTnLst>
                                     <p:set>
                                       <p:cBhvr>
-                                        <p:cTn dur="1" fill="hold" id="153">
+                                        <p:cTn dur="1" fill="hold" id="138">
                                           <p:stCondLst>
                                             <p:cond delay="0"/>
                                           </p:stCondLst>
@@ -4433,7 +4272,7 @@
                                     </p:set>
                                     <p:animEffect filter="diamond(in)" transition="out">
                                       <p:cBhvr additive="repl">
-                                        <p:cTn dur="2000" id="154"/>
+                                        <p:cTn dur="2000" id="139"/>
                                         <p:tgtEl>
                                           <p:spTgt spid="68"/>
                                         </p:tgtEl>
@@ -4443,14 +4282,14 @@
                                 </p:cTn>
                               </p:par>
                               <p:par>
-                                <p:cTn fill="hold" id="155" nodeType="withEffect" presetClass="entr" presetID="12" presetSubtype="4">
+                                <p:cTn fill="hold" id="140" nodeType="withEffect" presetClass="entr" presetID="12" presetSubtype="4">
                                   <p:stCondLst>
                                     <p:cond delay="0"/>
                                   </p:stCondLst>
                                   <p:childTnLst>
                                     <p:set>
                                       <p:cBhvr>
-                                        <p:cTn dur="0" fill="hold" id="156">
+                                        <p:cTn fill="hold" id="141">
                                           <p:stCondLst>
                                             <p:cond delay="0"/>
                                           </p:stCondLst>
@@ -4468,7 +4307,7 @@
                                     </p:set>
                                     <p:animEffect filter="slide(fromBottom)" transition="in">
                                       <p:cBhvr additive="repl">
-                                        <p:cTn dur="250" id="157"/>
+                                        <p:cTn dur="250" id="142"/>
                                         <p:tgtEl>
                                           <p:spTgt spid="69"/>
                                         </p:tgtEl>
@@ -4534,7 +4373,7 @@
         <p:spPr>
           <a:xfrm>
             <a:off x="504000" y="301320"/>
-            <a:ext cx="9071280" cy="1261800"/>
+            <a:ext cx="9070920" cy="1261440"/>
           </a:xfrm>
           <a:prstGeom prst="rect">
             <a:avLst/>
@@ -4574,7 +4413,7 @@
         <p:spPr>
           <a:xfrm>
             <a:off x="504000" y="1769040"/>
-            <a:ext cx="9071280" cy="4384080"/>
+            <a:ext cx="9070920" cy="4383720"/>
           </a:xfrm>
           <a:prstGeom prst="rect">
             <a:avLst/>
@@ -4600,7 +4439,7 @@
         <p:spPr>
           <a:xfrm>
             <a:off x="16560" y="5098320"/>
-            <a:ext cx="2437560" cy="2437560"/>
+            <a:ext cx="2437200" cy="2437200"/>
           </a:xfrm>
           <a:prstGeom prst="rect">
             <a:avLst/>
@@ -4612,26 +4451,33 @@
       </p:pic>
       <p:sp>
         <p:nvSpPr>
-          <p:cNvPr id="73" name="TextShape 3"/>
-          <p:cNvSpPr txBox="1"/>
+          <p:cNvPr id="73" name="CustomShape 3"/>
+          <p:cNvSpPr/>
           <p:nvPr/>
         </p:nvSpPr>
         <p:spPr>
           <a:xfrm>
             <a:off x="1008000" y="2016000"/>
-            <a:ext cx="8160480" cy="1155960"/>
-          </a:xfrm>
-          <a:prstGeom prst="rect">
-            <a:avLst/>
-          </a:prstGeom>
+            <a:ext cx="8160120" cy="1155600"/>
+          </a:xfrm>
+          <a:prstGeom prst="rect">
+            <a:avLst/>
+          </a:prstGeom>
+          <a:noFill/>
+          <a:ln>
+            <a:noFill/>
+          </a:ln>
         </p:spPr>
         <p:txBody>
           <a:bodyPr bIns="45000" lIns="90000" rIns="90000" tIns="45000" wrap="none"/>
           <a:p>
             <a:pPr>
+              <a:lnSpc>
+                <a:spcPct val="100000"/>
+              </a:lnSpc>
               <a:buSzPct val="25000"/>
               <a:buFont typeface="StarSymbol"/>
-              <a:buChar char=""/>
+              <a:buChar char="l"/>
             </a:pPr>
             <a:r>
               <a:rPr lang="sv-SE" sz="3200">
@@ -4643,9 +4489,12 @@
           </a:p>
           <a:p>
             <a:pPr>
+              <a:lnSpc>
+                <a:spcPct val="100000"/>
+              </a:lnSpc>
               <a:buSzPct val="25000"/>
               <a:buFont typeface="StarSymbol"/>
-              <a:buChar char=""/>
+              <a:buChar char="l"/>
             </a:pPr>
             <a:r>
               <a:rPr lang="sv-SE" sz="3200">
@@ -4662,10 +4511,10 @@
   <p:timing>
     <p:tnLst>
       <p:par>
-        <p:cTn dur="indefinite" id="158" nodeType="tmRoot" restart="never">
+        <p:cTn dur="indefinite" id="143" nodeType="tmRoot" restart="never">
           <p:childTnLst>
             <p:seq>
-              <p:cTn id="159" nodeType="mainSeq"/>
+              <p:cTn id="144" nodeType="mainSeq"/>
               <p:prevCondLst>
                 <p:cond delay="0" evt="onPrev">
                   <p:tgtEl>
